--- a/Presentations/GAB2015-Keynote.pptx
+++ b/Presentations/GAB2015-Keynote.pptx
@@ -5,35 +5,37 @@
     <p:sldMasterId id="2147483648" r:id="rId1"/>
   </p:sldMasterIdLst>
   <p:notesMasterIdLst>
-    <p:notesMasterId r:id="rId28"/>
+    <p:notesMasterId r:id="rId30"/>
   </p:notesMasterIdLst>
   <p:sldIdLst>
     <p:sldId id="262" r:id="rId2"/>
     <p:sldId id="263" r:id="rId3"/>
     <p:sldId id="273" r:id="rId4"/>
     <p:sldId id="275" r:id="rId5"/>
-    <p:sldId id="258" r:id="rId6"/>
-    <p:sldId id="259" r:id="rId7"/>
-    <p:sldId id="269" r:id="rId8"/>
-    <p:sldId id="265" r:id="rId9"/>
-    <p:sldId id="270" r:id="rId10"/>
-    <p:sldId id="264" r:id="rId11"/>
-    <p:sldId id="260" r:id="rId12"/>
-    <p:sldId id="271" r:id="rId13"/>
-    <p:sldId id="267" r:id="rId14"/>
-    <p:sldId id="274" r:id="rId15"/>
-    <p:sldId id="276" r:id="rId16"/>
-    <p:sldId id="277" r:id="rId17"/>
-    <p:sldId id="278" r:id="rId18"/>
-    <p:sldId id="279" r:id="rId19"/>
-    <p:sldId id="280" r:id="rId20"/>
-    <p:sldId id="281" r:id="rId21"/>
-    <p:sldId id="282" r:id="rId22"/>
-    <p:sldId id="283" r:id="rId23"/>
-    <p:sldId id="284" r:id="rId24"/>
-    <p:sldId id="285" r:id="rId25"/>
-    <p:sldId id="286" r:id="rId26"/>
-    <p:sldId id="287" r:id="rId27"/>
+    <p:sldId id="288" r:id="rId6"/>
+    <p:sldId id="289" r:id="rId7"/>
+    <p:sldId id="258" r:id="rId8"/>
+    <p:sldId id="259" r:id="rId9"/>
+    <p:sldId id="269" r:id="rId10"/>
+    <p:sldId id="265" r:id="rId11"/>
+    <p:sldId id="270" r:id="rId12"/>
+    <p:sldId id="264" r:id="rId13"/>
+    <p:sldId id="260" r:id="rId14"/>
+    <p:sldId id="271" r:id="rId15"/>
+    <p:sldId id="267" r:id="rId16"/>
+    <p:sldId id="274" r:id="rId17"/>
+    <p:sldId id="276" r:id="rId18"/>
+    <p:sldId id="277" r:id="rId19"/>
+    <p:sldId id="278" r:id="rId20"/>
+    <p:sldId id="279" r:id="rId21"/>
+    <p:sldId id="280" r:id="rId22"/>
+    <p:sldId id="281" r:id="rId23"/>
+    <p:sldId id="282" r:id="rId24"/>
+    <p:sldId id="283" r:id="rId25"/>
+    <p:sldId id="284" r:id="rId26"/>
+    <p:sldId id="285" r:id="rId27"/>
+    <p:sldId id="286" r:id="rId28"/>
+    <p:sldId id="287" r:id="rId29"/>
   </p:sldIdLst>
   <p:sldSz cx="12192000" cy="6858000"/>
   <p:notesSz cx="6858000" cy="9144000"/>
@@ -5397,11 +5399,7 @@
         <a:p>
           <a:r>
             <a:rPr lang="en-US" dirty="0" smtClean="0"/>
-            <a:t>Instrumentation </a:t>
-          </a:r>
-          <a:r>
-            <a:rPr lang="en-US" dirty="0" smtClean="0"/>
-            <a:t>(PowerShell</a:t>
+            <a:t>Instrumentation (PowerShell</a:t>
           </a:r>
           <a:r>
             <a:rPr lang="en-US" smtClean="0"/>
@@ -5593,9 +5591,9 @@
     <dgm:cxn modelId="{5F51801D-2FE7-46FC-A218-41BFD322E3E9}" srcId="{5696FC29-D9A7-49DA-BB26-1225724EB937}" destId="{445B13CE-37DE-46D2-A882-4252C18956C4}" srcOrd="2" destOrd="0" parTransId="{7975B0E6-4CB1-4BB2-84BA-3C83F8EBB69C}" sibTransId="{5B0CE00B-CAE1-4B76-B638-1B0895F59063}"/>
     <dgm:cxn modelId="{BB777E6D-3444-473E-A5CD-D65CAABF3757}" type="presOf" srcId="{DE7A39D1-0E39-419B-9898-524EFCF6CC7B}" destId="{98EDA422-4DA4-4F4B-9A9D-80B5BF0B2322}" srcOrd="0" destOrd="0" presId="urn:microsoft.com/office/officeart/2008/layout/VerticalCurvedList"/>
     <dgm:cxn modelId="{D0213E4A-2933-4102-8326-E16B33EA1901}" type="presOf" srcId="{8084CD50-7A83-438A-8688-F4B3B869A4E0}" destId="{060DF495-E843-4181-BCF9-CDB2A72B3D1B}" srcOrd="0" destOrd="0" presId="urn:microsoft.com/office/officeart/2008/layout/VerticalCurvedList"/>
+    <dgm:cxn modelId="{95880AA2-DD59-4AE1-AF24-250A73861E7D}" srcId="{5696FC29-D9A7-49DA-BB26-1225724EB937}" destId="{DE7A39D1-0E39-419B-9898-524EFCF6CC7B}" srcOrd="0" destOrd="0" parTransId="{BB930A34-0D36-4D1F-9A19-3342E474DA4C}" sibTransId="{79AD3DBA-B1CF-435D-8991-C48FE3A43452}"/>
+    <dgm:cxn modelId="{F2FF0282-B492-4AD1-8096-A2AF42C08CA5}" type="presOf" srcId="{445B13CE-37DE-46D2-A882-4252C18956C4}" destId="{891EC436-B2E4-4CF3-9E8F-2C0DF98AF85E}" srcOrd="0" destOrd="0" presId="urn:microsoft.com/office/officeart/2008/layout/VerticalCurvedList"/>
     <dgm:cxn modelId="{B6AB5137-494B-466A-BA14-23396C384040}" srcId="{5696FC29-D9A7-49DA-BB26-1225724EB937}" destId="{8084CD50-7A83-438A-8688-F4B3B869A4E0}" srcOrd="1" destOrd="0" parTransId="{F23637D2-8459-4DD3-8235-5904CF53AA6F}" sibTransId="{DADCE8EC-2195-4F0B-8881-A762B62CA1DC}"/>
-    <dgm:cxn modelId="{F2FF0282-B492-4AD1-8096-A2AF42C08CA5}" type="presOf" srcId="{445B13CE-37DE-46D2-A882-4252C18956C4}" destId="{891EC436-B2E4-4CF3-9E8F-2C0DF98AF85E}" srcOrd="0" destOrd="0" presId="urn:microsoft.com/office/officeart/2008/layout/VerticalCurvedList"/>
-    <dgm:cxn modelId="{95880AA2-DD59-4AE1-AF24-250A73861E7D}" srcId="{5696FC29-D9A7-49DA-BB26-1225724EB937}" destId="{DE7A39D1-0E39-419B-9898-524EFCF6CC7B}" srcOrd="0" destOrd="0" parTransId="{BB930A34-0D36-4D1F-9A19-3342E474DA4C}" sibTransId="{79AD3DBA-B1CF-435D-8991-C48FE3A43452}"/>
     <dgm:cxn modelId="{50843AE8-B44C-4544-BDD0-A06A002A3594}" type="presOf" srcId="{5696FC29-D9A7-49DA-BB26-1225724EB937}" destId="{09914BC4-AFAB-4DEC-A71E-54671D9A4174}" srcOrd="0" destOrd="0" presId="urn:microsoft.com/office/officeart/2008/layout/VerticalCurvedList"/>
     <dgm:cxn modelId="{3D9ABA74-9331-47BD-BCC9-F562B48C2AA4}" type="presParOf" srcId="{09914BC4-AFAB-4DEC-A71E-54671D9A4174}" destId="{873C1C41-FA23-4BE8-B5F1-2DC1587FB399}" srcOrd="0" destOrd="0" presId="urn:microsoft.com/office/officeart/2008/layout/VerticalCurvedList"/>
     <dgm:cxn modelId="{09350BD0-1827-4D14-BBE1-353226F4C6E8}" type="presParOf" srcId="{873C1C41-FA23-4BE8-B5F1-2DC1587FB399}" destId="{80AC1BCF-2108-417C-BC53-F56F04479D4A}" srcOrd="0" destOrd="0" presId="urn:microsoft.com/office/officeart/2008/layout/VerticalCurvedList"/>
@@ -5911,6 +5909,396 @@
       <dsp:cNvGrpSpPr/>
     </dsp:nvGrpSpPr>
     <dsp:grpSpPr/>
+    <dsp:sp modelId="{6D449FEA-89F8-4D95-BE7D-C31B1A6A205A}">
+      <dsp:nvSpPr>
+        <dsp:cNvPr id="0" name=""/>
+        <dsp:cNvSpPr/>
+      </dsp:nvSpPr>
+      <dsp:spPr>
+        <a:xfrm>
+          <a:off x="0" y="39687"/>
+          <a:ext cx="3286125" cy="1971675"/>
+        </a:xfrm>
+        <a:prstGeom prst="rect">
+          <a:avLst/>
+        </a:prstGeom>
+        <a:solidFill>
+          <a:schemeClr val="accent2">
+            <a:hueOff val="0"/>
+            <a:satOff val="0"/>
+            <a:lumOff val="0"/>
+            <a:alphaOff val="0"/>
+          </a:schemeClr>
+        </a:solidFill>
+        <a:ln w="12700" cap="flat" cmpd="sng" algn="ctr">
+          <a:solidFill>
+            <a:schemeClr val="lt1">
+              <a:hueOff val="0"/>
+              <a:satOff val="0"/>
+              <a:lumOff val="0"/>
+              <a:alphaOff val="0"/>
+            </a:schemeClr>
+          </a:solidFill>
+          <a:prstDash val="solid"/>
+          <a:miter lim="800000"/>
+        </a:ln>
+        <a:effectLst/>
+      </dsp:spPr>
+      <dsp:style>
+        <a:lnRef idx="2">
+          <a:scrgbClr r="0" g="0" b="0"/>
+        </a:lnRef>
+        <a:fillRef idx="1">
+          <a:scrgbClr r="0" g="0" b="0"/>
+        </a:fillRef>
+        <a:effectRef idx="0">
+          <a:scrgbClr r="0" g="0" b="0"/>
+        </a:effectRef>
+        <a:fontRef idx="minor">
+          <a:schemeClr val="lt1"/>
+        </a:fontRef>
+      </dsp:style>
+      <dsp:txBody>
+        <a:bodyPr spcFirstLastPara="0" vert="horz" wrap="square" lIns="148590" tIns="148590" rIns="148590" bIns="148590" numCol="1" spcCol="1270" anchor="ctr" anchorCtr="0">
+          <a:noAutofit/>
+        </a:bodyPr>
+        <a:lstStyle/>
+        <a:p>
+          <a:pPr lvl="0" algn="ctr" defTabSz="1733550">
+            <a:lnSpc>
+              <a:spcPct val="90000"/>
+            </a:lnSpc>
+            <a:spcBef>
+              <a:spcPct val="0"/>
+            </a:spcBef>
+            <a:spcAft>
+              <a:spcPct val="35000"/>
+            </a:spcAft>
+          </a:pPr>
+          <a:r>
+            <a:rPr lang="en-US" sz="3900" kern="1200" dirty="0" smtClean="0"/>
+            <a:t>Self-service</a:t>
+          </a:r>
+          <a:endParaRPr lang="en-US" sz="3900" kern="1200" dirty="0"/>
+        </a:p>
+      </dsp:txBody>
+      <dsp:txXfrm>
+        <a:off x="0" y="39687"/>
+        <a:ext cx="3286125" cy="1971675"/>
+      </dsp:txXfrm>
+    </dsp:sp>
+    <dsp:sp modelId="{C1186F7E-74FD-4074-A85E-D7E7D5FEDF46}">
+      <dsp:nvSpPr>
+        <dsp:cNvPr id="0" name=""/>
+        <dsp:cNvSpPr/>
+      </dsp:nvSpPr>
+      <dsp:spPr>
+        <a:xfrm>
+          <a:off x="3614737" y="39687"/>
+          <a:ext cx="3286125" cy="1971675"/>
+        </a:xfrm>
+        <a:prstGeom prst="rect">
+          <a:avLst/>
+        </a:prstGeom>
+        <a:solidFill>
+          <a:schemeClr val="accent3">
+            <a:hueOff val="0"/>
+            <a:satOff val="0"/>
+            <a:lumOff val="0"/>
+            <a:alphaOff val="0"/>
+          </a:schemeClr>
+        </a:solidFill>
+        <a:ln w="12700" cap="flat" cmpd="sng" algn="ctr">
+          <a:solidFill>
+            <a:schemeClr val="lt1">
+              <a:hueOff val="0"/>
+              <a:satOff val="0"/>
+              <a:lumOff val="0"/>
+              <a:alphaOff val="0"/>
+            </a:schemeClr>
+          </a:solidFill>
+          <a:prstDash val="solid"/>
+          <a:miter lim="800000"/>
+        </a:ln>
+        <a:effectLst/>
+      </dsp:spPr>
+      <dsp:style>
+        <a:lnRef idx="2">
+          <a:scrgbClr r="0" g="0" b="0"/>
+        </a:lnRef>
+        <a:fillRef idx="1">
+          <a:scrgbClr r="0" g="0" b="0"/>
+        </a:fillRef>
+        <a:effectRef idx="0">
+          <a:scrgbClr r="0" g="0" b="0"/>
+        </a:effectRef>
+        <a:fontRef idx="minor">
+          <a:schemeClr val="lt1"/>
+        </a:fontRef>
+      </dsp:style>
+      <dsp:txBody>
+        <a:bodyPr spcFirstLastPara="0" vert="horz" wrap="square" lIns="148590" tIns="148590" rIns="148590" bIns="148590" numCol="1" spcCol="1270" anchor="ctr" anchorCtr="0">
+          <a:noAutofit/>
+        </a:bodyPr>
+        <a:lstStyle/>
+        <a:p>
+          <a:pPr lvl="0" algn="ctr" defTabSz="1733550">
+            <a:lnSpc>
+              <a:spcPct val="90000"/>
+            </a:lnSpc>
+            <a:spcBef>
+              <a:spcPct val="0"/>
+            </a:spcBef>
+            <a:spcAft>
+              <a:spcPct val="35000"/>
+            </a:spcAft>
+          </a:pPr>
+          <a:r>
+            <a:rPr lang="en-US" sz="3900" kern="1200" dirty="0" smtClean="0"/>
+            <a:t>Broad network access</a:t>
+          </a:r>
+          <a:endParaRPr lang="en-US" sz="3900" kern="1200" dirty="0"/>
+        </a:p>
+      </dsp:txBody>
+      <dsp:txXfrm>
+        <a:off x="3614737" y="39687"/>
+        <a:ext cx="3286125" cy="1971675"/>
+      </dsp:txXfrm>
+    </dsp:sp>
+    <dsp:sp modelId="{D046E6BD-8040-4E33-AF7A-146B2B78BB8F}">
+      <dsp:nvSpPr>
+        <dsp:cNvPr id="0" name=""/>
+        <dsp:cNvSpPr/>
+      </dsp:nvSpPr>
+      <dsp:spPr>
+        <a:xfrm>
+          <a:off x="7229475" y="39687"/>
+          <a:ext cx="3286125" cy="1971675"/>
+        </a:xfrm>
+        <a:prstGeom prst="rect">
+          <a:avLst/>
+        </a:prstGeom>
+        <a:solidFill>
+          <a:schemeClr val="accent4">
+            <a:hueOff val="0"/>
+            <a:satOff val="0"/>
+            <a:lumOff val="0"/>
+            <a:alphaOff val="0"/>
+          </a:schemeClr>
+        </a:solidFill>
+        <a:ln w="12700" cap="flat" cmpd="sng" algn="ctr">
+          <a:solidFill>
+            <a:schemeClr val="lt1">
+              <a:hueOff val="0"/>
+              <a:satOff val="0"/>
+              <a:lumOff val="0"/>
+              <a:alphaOff val="0"/>
+            </a:schemeClr>
+          </a:solidFill>
+          <a:prstDash val="solid"/>
+          <a:miter lim="800000"/>
+        </a:ln>
+        <a:effectLst/>
+      </dsp:spPr>
+      <dsp:style>
+        <a:lnRef idx="2">
+          <a:scrgbClr r="0" g="0" b="0"/>
+        </a:lnRef>
+        <a:fillRef idx="1">
+          <a:scrgbClr r="0" g="0" b="0"/>
+        </a:fillRef>
+        <a:effectRef idx="0">
+          <a:scrgbClr r="0" g="0" b="0"/>
+        </a:effectRef>
+        <a:fontRef idx="minor">
+          <a:schemeClr val="lt1"/>
+        </a:fontRef>
+      </dsp:style>
+      <dsp:txBody>
+        <a:bodyPr spcFirstLastPara="0" vert="horz" wrap="square" lIns="148590" tIns="148590" rIns="148590" bIns="148590" numCol="1" spcCol="1270" anchor="ctr" anchorCtr="0">
+          <a:noAutofit/>
+        </a:bodyPr>
+        <a:lstStyle/>
+        <a:p>
+          <a:pPr lvl="0" algn="ctr" defTabSz="1733550">
+            <a:lnSpc>
+              <a:spcPct val="90000"/>
+            </a:lnSpc>
+            <a:spcBef>
+              <a:spcPct val="0"/>
+            </a:spcBef>
+            <a:spcAft>
+              <a:spcPct val="35000"/>
+            </a:spcAft>
+          </a:pPr>
+          <a:r>
+            <a:rPr lang="en-US" sz="3900" kern="1200" dirty="0" smtClean="0"/>
+            <a:t>Resource pooling</a:t>
+          </a:r>
+          <a:endParaRPr lang="en-US" sz="3900" kern="1200" dirty="0"/>
+        </a:p>
+      </dsp:txBody>
+      <dsp:txXfrm>
+        <a:off x="7229475" y="39687"/>
+        <a:ext cx="3286125" cy="1971675"/>
+      </dsp:txXfrm>
+    </dsp:sp>
+    <dsp:sp modelId="{834315FC-9650-47DE-B467-25942A7BD831}">
+      <dsp:nvSpPr>
+        <dsp:cNvPr id="0" name=""/>
+        <dsp:cNvSpPr/>
+      </dsp:nvSpPr>
+      <dsp:spPr>
+        <a:xfrm>
+          <a:off x="1807368" y="2339975"/>
+          <a:ext cx="3286125" cy="1971675"/>
+        </a:xfrm>
+        <a:prstGeom prst="rect">
+          <a:avLst/>
+        </a:prstGeom>
+        <a:solidFill>
+          <a:schemeClr val="accent5">
+            <a:hueOff val="0"/>
+            <a:satOff val="0"/>
+            <a:lumOff val="0"/>
+            <a:alphaOff val="0"/>
+          </a:schemeClr>
+        </a:solidFill>
+        <a:ln w="12700" cap="flat" cmpd="sng" algn="ctr">
+          <a:solidFill>
+            <a:schemeClr val="lt1">
+              <a:hueOff val="0"/>
+              <a:satOff val="0"/>
+              <a:lumOff val="0"/>
+              <a:alphaOff val="0"/>
+            </a:schemeClr>
+          </a:solidFill>
+          <a:prstDash val="solid"/>
+          <a:miter lim="800000"/>
+        </a:ln>
+        <a:effectLst/>
+      </dsp:spPr>
+      <dsp:style>
+        <a:lnRef idx="2">
+          <a:scrgbClr r="0" g="0" b="0"/>
+        </a:lnRef>
+        <a:fillRef idx="1">
+          <a:scrgbClr r="0" g="0" b="0"/>
+        </a:fillRef>
+        <a:effectRef idx="0">
+          <a:scrgbClr r="0" g="0" b="0"/>
+        </a:effectRef>
+        <a:fontRef idx="minor">
+          <a:schemeClr val="lt1"/>
+        </a:fontRef>
+      </dsp:style>
+      <dsp:txBody>
+        <a:bodyPr spcFirstLastPara="0" vert="horz" wrap="square" lIns="148590" tIns="148590" rIns="148590" bIns="148590" numCol="1" spcCol="1270" anchor="ctr" anchorCtr="0">
+          <a:noAutofit/>
+        </a:bodyPr>
+        <a:lstStyle/>
+        <a:p>
+          <a:pPr lvl="0" algn="ctr" defTabSz="1733550">
+            <a:lnSpc>
+              <a:spcPct val="90000"/>
+            </a:lnSpc>
+            <a:spcBef>
+              <a:spcPct val="0"/>
+            </a:spcBef>
+            <a:spcAft>
+              <a:spcPct val="35000"/>
+            </a:spcAft>
+          </a:pPr>
+          <a:r>
+            <a:rPr lang="en-US" sz="3900" kern="1200" dirty="0" smtClean="0"/>
+            <a:t>Rapid elasticity</a:t>
+          </a:r>
+          <a:endParaRPr lang="en-US" sz="3900" kern="1200" dirty="0"/>
+        </a:p>
+      </dsp:txBody>
+      <dsp:txXfrm>
+        <a:off x="1807368" y="2339975"/>
+        <a:ext cx="3286125" cy="1971675"/>
+      </dsp:txXfrm>
+    </dsp:sp>
+    <dsp:sp modelId="{53138230-47AC-4437-B3F5-91C78B0C3A8E}">
+      <dsp:nvSpPr>
+        <dsp:cNvPr id="0" name=""/>
+        <dsp:cNvSpPr/>
+      </dsp:nvSpPr>
+      <dsp:spPr>
+        <a:xfrm>
+          <a:off x="5422106" y="2339975"/>
+          <a:ext cx="3286125" cy="1971675"/>
+        </a:xfrm>
+        <a:prstGeom prst="rect">
+          <a:avLst/>
+        </a:prstGeom>
+        <a:solidFill>
+          <a:schemeClr val="accent6">
+            <a:hueOff val="0"/>
+            <a:satOff val="0"/>
+            <a:lumOff val="0"/>
+            <a:alphaOff val="0"/>
+          </a:schemeClr>
+        </a:solidFill>
+        <a:ln w="12700" cap="flat" cmpd="sng" algn="ctr">
+          <a:solidFill>
+            <a:schemeClr val="lt1">
+              <a:hueOff val="0"/>
+              <a:satOff val="0"/>
+              <a:lumOff val="0"/>
+              <a:alphaOff val="0"/>
+            </a:schemeClr>
+          </a:solidFill>
+          <a:prstDash val="solid"/>
+          <a:miter lim="800000"/>
+        </a:ln>
+        <a:effectLst/>
+      </dsp:spPr>
+      <dsp:style>
+        <a:lnRef idx="2">
+          <a:scrgbClr r="0" g="0" b="0"/>
+        </a:lnRef>
+        <a:fillRef idx="1">
+          <a:scrgbClr r="0" g="0" b="0"/>
+        </a:fillRef>
+        <a:effectRef idx="0">
+          <a:scrgbClr r="0" g="0" b="0"/>
+        </a:effectRef>
+        <a:fontRef idx="minor">
+          <a:schemeClr val="lt1"/>
+        </a:fontRef>
+      </dsp:style>
+      <dsp:txBody>
+        <a:bodyPr spcFirstLastPara="0" vert="horz" wrap="square" lIns="148590" tIns="148590" rIns="148590" bIns="148590" numCol="1" spcCol="1270" anchor="ctr" anchorCtr="0">
+          <a:noAutofit/>
+        </a:bodyPr>
+        <a:lstStyle/>
+        <a:p>
+          <a:pPr lvl="0" algn="ctr" defTabSz="1733550">
+            <a:lnSpc>
+              <a:spcPct val="90000"/>
+            </a:lnSpc>
+            <a:spcBef>
+              <a:spcPct val="0"/>
+            </a:spcBef>
+            <a:spcAft>
+              <a:spcPct val="35000"/>
+            </a:spcAft>
+          </a:pPr>
+          <a:r>
+            <a:rPr lang="en-US" sz="3900" kern="1200" dirty="0" smtClean="0"/>
+            <a:t>Measured service</a:t>
+          </a:r>
+          <a:endParaRPr lang="en-US" sz="3900" kern="1200" dirty="0"/>
+        </a:p>
+      </dsp:txBody>
+      <dsp:txXfrm>
+        <a:off x="5422106" y="2339975"/>
+        <a:ext cx="3286125" cy="1971675"/>
+      </dsp:txXfrm>
+    </dsp:sp>
   </dsp:spTree>
 </dsp:drawing>
 </file>
@@ -5923,6 +6311,1476 @@
       <dsp:cNvGrpSpPr/>
     </dsp:nvGrpSpPr>
     <dsp:grpSpPr/>
+    <dsp:sp modelId="{728EF606-67A8-40D6-9BA4-AF4BCFEEC025}">
+      <dsp:nvSpPr>
+        <dsp:cNvPr id="0" name=""/>
+        <dsp:cNvSpPr/>
+      </dsp:nvSpPr>
+      <dsp:spPr>
+        <a:xfrm>
+          <a:off x="0" y="2124"/>
+          <a:ext cx="10515600" cy="0"/>
+        </a:xfrm>
+        <a:prstGeom prst="line">
+          <a:avLst/>
+        </a:prstGeom>
+        <a:gradFill rotWithShape="0">
+          <a:gsLst>
+            <a:gs pos="0">
+              <a:schemeClr val="accent2">
+                <a:hueOff val="0"/>
+                <a:satOff val="0"/>
+                <a:lumOff val="0"/>
+                <a:alphaOff val="0"/>
+                <a:satMod val="103000"/>
+                <a:lumMod val="102000"/>
+                <a:tint val="94000"/>
+              </a:schemeClr>
+            </a:gs>
+            <a:gs pos="50000">
+              <a:schemeClr val="accent2">
+                <a:hueOff val="0"/>
+                <a:satOff val="0"/>
+                <a:lumOff val="0"/>
+                <a:alphaOff val="0"/>
+                <a:satMod val="110000"/>
+                <a:lumMod val="100000"/>
+                <a:shade val="100000"/>
+              </a:schemeClr>
+            </a:gs>
+            <a:gs pos="100000">
+              <a:schemeClr val="accent2">
+                <a:hueOff val="0"/>
+                <a:satOff val="0"/>
+                <a:lumOff val="0"/>
+                <a:alphaOff val="0"/>
+                <a:lumMod val="99000"/>
+                <a:satMod val="120000"/>
+                <a:shade val="78000"/>
+              </a:schemeClr>
+            </a:gs>
+          </a:gsLst>
+          <a:lin ang="5400000" scaled="0"/>
+        </a:gradFill>
+        <a:ln w="6350" cap="flat" cmpd="sng" algn="ctr">
+          <a:solidFill>
+            <a:schemeClr val="accent2">
+              <a:hueOff val="0"/>
+              <a:satOff val="0"/>
+              <a:lumOff val="0"/>
+              <a:alphaOff val="0"/>
+            </a:schemeClr>
+          </a:solidFill>
+          <a:prstDash val="solid"/>
+          <a:miter lim="800000"/>
+        </a:ln>
+        <a:effectLst>
+          <a:outerShdw blurRad="57150" dist="19050" dir="5400000" algn="ctr" rotWithShape="0">
+            <a:srgbClr val="000000">
+              <a:alpha val="63000"/>
+            </a:srgbClr>
+          </a:outerShdw>
+        </a:effectLst>
+      </dsp:spPr>
+      <dsp:style>
+        <a:lnRef idx="1">
+          <a:scrgbClr r="0" g="0" b="0"/>
+        </a:lnRef>
+        <a:fillRef idx="3">
+          <a:scrgbClr r="0" g="0" b="0"/>
+        </a:fillRef>
+        <a:effectRef idx="3">
+          <a:scrgbClr r="0" g="0" b="0"/>
+        </a:effectRef>
+        <a:fontRef idx="minor">
+          <a:schemeClr val="lt1"/>
+        </a:fontRef>
+      </dsp:style>
+    </dsp:sp>
+    <dsp:sp modelId="{325806C3-D8AF-441E-8800-51968E175110}">
+      <dsp:nvSpPr>
+        <dsp:cNvPr id="0" name=""/>
+        <dsp:cNvSpPr/>
+      </dsp:nvSpPr>
+      <dsp:spPr>
+        <a:xfrm>
+          <a:off x="0" y="2124"/>
+          <a:ext cx="2103120" cy="724514"/>
+        </a:xfrm>
+        <a:prstGeom prst="rect">
+          <a:avLst/>
+        </a:prstGeom>
+        <a:noFill/>
+        <a:ln>
+          <a:noFill/>
+        </a:ln>
+        <a:effectLst/>
+      </dsp:spPr>
+      <dsp:style>
+        <a:lnRef idx="0">
+          <a:scrgbClr r="0" g="0" b="0"/>
+        </a:lnRef>
+        <a:fillRef idx="0">
+          <a:scrgbClr r="0" g="0" b="0"/>
+        </a:fillRef>
+        <a:effectRef idx="0">
+          <a:scrgbClr r="0" g="0" b="0"/>
+        </a:effectRef>
+        <a:fontRef idx="minor"/>
+      </dsp:style>
+      <dsp:txBody>
+        <a:bodyPr spcFirstLastPara="0" vert="horz" wrap="square" lIns="125730" tIns="125730" rIns="125730" bIns="125730" numCol="1" spcCol="1270" anchor="t" anchorCtr="0">
+          <a:noAutofit/>
+        </a:bodyPr>
+        <a:lstStyle/>
+        <a:p>
+          <a:pPr lvl="0" algn="l" defTabSz="1466850">
+            <a:lnSpc>
+              <a:spcPct val="90000"/>
+            </a:lnSpc>
+            <a:spcBef>
+              <a:spcPct val="0"/>
+            </a:spcBef>
+            <a:spcAft>
+              <a:spcPct val="35000"/>
+            </a:spcAft>
+          </a:pPr>
+          <a:r>
+            <a:rPr lang="en-US" sz="3300" kern="1200" dirty="0"/>
+            <a:t> </a:t>
+          </a:r>
+        </a:p>
+      </dsp:txBody>
+      <dsp:txXfrm>
+        <a:off x="0" y="2124"/>
+        <a:ext cx="2103120" cy="724514"/>
+      </dsp:txXfrm>
+    </dsp:sp>
+    <dsp:sp modelId="{509B27CA-15B1-4864-B9B7-25F16A812472}">
+      <dsp:nvSpPr>
+        <dsp:cNvPr id="0" name=""/>
+        <dsp:cNvSpPr/>
+      </dsp:nvSpPr>
+      <dsp:spPr>
+        <a:xfrm>
+          <a:off x="2260854" y="35025"/>
+          <a:ext cx="8254746" cy="658006"/>
+        </a:xfrm>
+        <a:prstGeom prst="rect">
+          <a:avLst/>
+        </a:prstGeom>
+        <a:noFill/>
+        <a:ln>
+          <a:noFill/>
+        </a:ln>
+        <a:effectLst/>
+      </dsp:spPr>
+      <dsp:style>
+        <a:lnRef idx="0">
+          <a:scrgbClr r="0" g="0" b="0"/>
+        </a:lnRef>
+        <a:fillRef idx="0">
+          <a:scrgbClr r="0" g="0" b="0"/>
+        </a:fillRef>
+        <a:effectRef idx="0">
+          <a:scrgbClr r="0" g="0" b="0"/>
+        </a:effectRef>
+        <a:fontRef idx="minor"/>
+      </dsp:style>
+      <dsp:txBody>
+        <a:bodyPr spcFirstLastPara="0" vert="horz" wrap="square" lIns="114300" tIns="114300" rIns="114300" bIns="114300" numCol="1" spcCol="1270" anchor="t" anchorCtr="0">
+          <a:noAutofit/>
+        </a:bodyPr>
+        <a:lstStyle/>
+        <a:p>
+          <a:pPr lvl="0" algn="l" defTabSz="1333500">
+            <a:lnSpc>
+              <a:spcPct val="90000"/>
+            </a:lnSpc>
+            <a:spcBef>
+              <a:spcPct val="0"/>
+            </a:spcBef>
+            <a:spcAft>
+              <a:spcPct val="35000"/>
+            </a:spcAft>
+          </a:pPr>
+          <a:r>
+            <a:rPr lang="en-US" sz="3000" b="1" kern="1200" dirty="0"/>
+            <a:t>Cloud Assessment</a:t>
+          </a:r>
+          <a:endParaRPr lang="en-US" sz="3000" kern="1200" dirty="0"/>
+        </a:p>
+      </dsp:txBody>
+      <dsp:txXfrm>
+        <a:off x="2260854" y="35025"/>
+        <a:ext cx="8254746" cy="658006"/>
+      </dsp:txXfrm>
+    </dsp:sp>
+    <dsp:sp modelId="{B466CC3D-7A6E-46EE-BE16-A275AF9AE62C}">
+      <dsp:nvSpPr>
+        <dsp:cNvPr id="0" name=""/>
+        <dsp:cNvSpPr/>
+      </dsp:nvSpPr>
+      <dsp:spPr>
+        <a:xfrm>
+          <a:off x="2103120" y="693031"/>
+          <a:ext cx="8412480" cy="0"/>
+        </a:xfrm>
+        <a:prstGeom prst="line">
+          <a:avLst/>
+        </a:prstGeom>
+        <a:noFill/>
+        <a:ln w="6350" cap="flat" cmpd="sng" algn="ctr">
+          <a:solidFill>
+            <a:schemeClr val="accent2">
+              <a:tint val="50000"/>
+              <a:hueOff val="0"/>
+              <a:satOff val="0"/>
+              <a:lumOff val="0"/>
+              <a:alphaOff val="0"/>
+            </a:schemeClr>
+          </a:solidFill>
+          <a:prstDash val="solid"/>
+          <a:miter lim="800000"/>
+        </a:ln>
+        <a:effectLst/>
+      </dsp:spPr>
+      <dsp:style>
+        <a:lnRef idx="1">
+          <a:scrgbClr r="0" g="0" b="0"/>
+        </a:lnRef>
+        <a:fillRef idx="0">
+          <a:scrgbClr r="0" g="0" b="0"/>
+        </a:fillRef>
+        <a:effectRef idx="1">
+          <a:scrgbClr r="0" g="0" b="0"/>
+        </a:effectRef>
+        <a:fontRef idx="minor"/>
+      </dsp:style>
+    </dsp:sp>
+    <dsp:sp modelId="{5FF3C595-0742-497F-96C7-A159CB10DC6E}">
+      <dsp:nvSpPr>
+        <dsp:cNvPr id="0" name=""/>
+        <dsp:cNvSpPr/>
+      </dsp:nvSpPr>
+      <dsp:spPr>
+        <a:xfrm>
+          <a:off x="0" y="726639"/>
+          <a:ext cx="10515600" cy="0"/>
+        </a:xfrm>
+        <a:prstGeom prst="line">
+          <a:avLst/>
+        </a:prstGeom>
+        <a:gradFill rotWithShape="0">
+          <a:gsLst>
+            <a:gs pos="0">
+              <a:schemeClr val="accent3">
+                <a:hueOff val="0"/>
+                <a:satOff val="0"/>
+                <a:lumOff val="0"/>
+                <a:alphaOff val="0"/>
+                <a:satMod val="103000"/>
+                <a:lumMod val="102000"/>
+                <a:tint val="94000"/>
+              </a:schemeClr>
+            </a:gs>
+            <a:gs pos="50000">
+              <a:schemeClr val="accent3">
+                <a:hueOff val="0"/>
+                <a:satOff val="0"/>
+                <a:lumOff val="0"/>
+                <a:alphaOff val="0"/>
+                <a:satMod val="110000"/>
+                <a:lumMod val="100000"/>
+                <a:shade val="100000"/>
+              </a:schemeClr>
+            </a:gs>
+            <a:gs pos="100000">
+              <a:schemeClr val="accent3">
+                <a:hueOff val="0"/>
+                <a:satOff val="0"/>
+                <a:lumOff val="0"/>
+                <a:alphaOff val="0"/>
+                <a:lumMod val="99000"/>
+                <a:satMod val="120000"/>
+                <a:shade val="78000"/>
+              </a:schemeClr>
+            </a:gs>
+          </a:gsLst>
+          <a:lin ang="5400000" scaled="0"/>
+        </a:gradFill>
+        <a:ln w="6350" cap="flat" cmpd="sng" algn="ctr">
+          <a:solidFill>
+            <a:schemeClr val="accent3">
+              <a:hueOff val="0"/>
+              <a:satOff val="0"/>
+              <a:lumOff val="0"/>
+              <a:alphaOff val="0"/>
+            </a:schemeClr>
+          </a:solidFill>
+          <a:prstDash val="solid"/>
+          <a:miter lim="800000"/>
+        </a:ln>
+        <a:effectLst>
+          <a:outerShdw blurRad="57150" dist="19050" dir="5400000" algn="ctr" rotWithShape="0">
+            <a:srgbClr val="000000">
+              <a:alpha val="63000"/>
+            </a:srgbClr>
+          </a:outerShdw>
+        </a:effectLst>
+      </dsp:spPr>
+      <dsp:style>
+        <a:lnRef idx="1">
+          <a:scrgbClr r="0" g="0" b="0"/>
+        </a:lnRef>
+        <a:fillRef idx="3">
+          <a:scrgbClr r="0" g="0" b="0"/>
+        </a:fillRef>
+        <a:effectRef idx="3">
+          <a:scrgbClr r="0" g="0" b="0"/>
+        </a:effectRef>
+        <a:fontRef idx="minor">
+          <a:schemeClr val="lt1"/>
+        </a:fontRef>
+      </dsp:style>
+    </dsp:sp>
+    <dsp:sp modelId="{4F98D2BC-4401-4529-B868-5DCCAA783558}">
+      <dsp:nvSpPr>
+        <dsp:cNvPr id="0" name=""/>
+        <dsp:cNvSpPr/>
+      </dsp:nvSpPr>
+      <dsp:spPr>
+        <a:xfrm>
+          <a:off x="0" y="726639"/>
+          <a:ext cx="2103120" cy="724514"/>
+        </a:xfrm>
+        <a:prstGeom prst="rect">
+          <a:avLst/>
+        </a:prstGeom>
+        <a:noFill/>
+        <a:ln>
+          <a:noFill/>
+        </a:ln>
+        <a:effectLst/>
+      </dsp:spPr>
+      <dsp:style>
+        <a:lnRef idx="0">
+          <a:scrgbClr r="0" g="0" b="0"/>
+        </a:lnRef>
+        <a:fillRef idx="0">
+          <a:scrgbClr r="0" g="0" b="0"/>
+        </a:fillRef>
+        <a:effectRef idx="0">
+          <a:scrgbClr r="0" g="0" b="0"/>
+        </a:effectRef>
+        <a:fontRef idx="minor"/>
+      </dsp:style>
+      <dsp:txBody>
+        <a:bodyPr spcFirstLastPara="0" vert="horz" wrap="square" lIns="125730" tIns="125730" rIns="125730" bIns="125730" numCol="1" spcCol="1270" anchor="t" anchorCtr="0">
+          <a:noAutofit/>
+        </a:bodyPr>
+        <a:lstStyle/>
+        <a:p>
+          <a:pPr lvl="0" algn="l" defTabSz="1466850">
+            <a:lnSpc>
+              <a:spcPct val="90000"/>
+            </a:lnSpc>
+            <a:spcBef>
+              <a:spcPct val="0"/>
+            </a:spcBef>
+            <a:spcAft>
+              <a:spcPct val="35000"/>
+            </a:spcAft>
+          </a:pPr>
+          <a:endParaRPr lang="en-US" sz="3300" kern="1200" dirty="0"/>
+        </a:p>
+      </dsp:txBody>
+      <dsp:txXfrm>
+        <a:off x="0" y="726639"/>
+        <a:ext cx="2103120" cy="724514"/>
+      </dsp:txXfrm>
+    </dsp:sp>
+    <dsp:sp modelId="{78CA5C31-3F91-454D-B97A-0BD33A6C964A}">
+      <dsp:nvSpPr>
+        <dsp:cNvPr id="0" name=""/>
+        <dsp:cNvSpPr/>
+      </dsp:nvSpPr>
+      <dsp:spPr>
+        <a:xfrm>
+          <a:off x="2260854" y="759539"/>
+          <a:ext cx="8254746" cy="658006"/>
+        </a:xfrm>
+        <a:prstGeom prst="rect">
+          <a:avLst/>
+        </a:prstGeom>
+        <a:noFill/>
+        <a:ln>
+          <a:noFill/>
+        </a:ln>
+        <a:effectLst/>
+      </dsp:spPr>
+      <dsp:style>
+        <a:lnRef idx="0">
+          <a:scrgbClr r="0" g="0" b="0"/>
+        </a:lnRef>
+        <a:fillRef idx="0">
+          <a:scrgbClr r="0" g="0" b="0"/>
+        </a:fillRef>
+        <a:effectRef idx="0">
+          <a:scrgbClr r="0" g="0" b="0"/>
+        </a:effectRef>
+        <a:fontRef idx="minor"/>
+      </dsp:style>
+      <dsp:txBody>
+        <a:bodyPr spcFirstLastPara="0" vert="horz" wrap="square" lIns="114300" tIns="114300" rIns="114300" bIns="114300" numCol="1" spcCol="1270" anchor="t" anchorCtr="0">
+          <a:noAutofit/>
+        </a:bodyPr>
+        <a:lstStyle/>
+        <a:p>
+          <a:pPr lvl="0" algn="l" defTabSz="1333500">
+            <a:lnSpc>
+              <a:spcPct val="90000"/>
+            </a:lnSpc>
+            <a:spcBef>
+              <a:spcPct val="0"/>
+            </a:spcBef>
+            <a:spcAft>
+              <a:spcPct val="35000"/>
+            </a:spcAft>
+          </a:pPr>
+          <a:r>
+            <a:rPr lang="en-US" sz="3000" b="1" i="0" kern="1200" dirty="0" smtClean="0"/>
+            <a:t>Proof of Concept</a:t>
+          </a:r>
+          <a:endParaRPr lang="en-US" sz="3000" i="0" kern="1200" dirty="0"/>
+        </a:p>
+      </dsp:txBody>
+      <dsp:txXfrm>
+        <a:off x="2260854" y="759539"/>
+        <a:ext cx="8254746" cy="658006"/>
+      </dsp:txXfrm>
+    </dsp:sp>
+    <dsp:sp modelId="{CF1CCD8D-26D1-4DFB-8A0E-62EA07E8F1C2}">
+      <dsp:nvSpPr>
+        <dsp:cNvPr id="0" name=""/>
+        <dsp:cNvSpPr/>
+      </dsp:nvSpPr>
+      <dsp:spPr>
+        <a:xfrm>
+          <a:off x="2103120" y="1417546"/>
+          <a:ext cx="8412480" cy="0"/>
+        </a:xfrm>
+        <a:prstGeom prst="line">
+          <a:avLst/>
+        </a:prstGeom>
+        <a:noFill/>
+        <a:ln w="6350" cap="flat" cmpd="sng" algn="ctr">
+          <a:solidFill>
+            <a:schemeClr val="accent2">
+              <a:tint val="50000"/>
+              <a:hueOff val="0"/>
+              <a:satOff val="0"/>
+              <a:lumOff val="0"/>
+              <a:alphaOff val="0"/>
+            </a:schemeClr>
+          </a:solidFill>
+          <a:prstDash val="solid"/>
+          <a:miter lim="800000"/>
+        </a:ln>
+        <a:effectLst/>
+      </dsp:spPr>
+      <dsp:style>
+        <a:lnRef idx="1">
+          <a:scrgbClr r="0" g="0" b="0"/>
+        </a:lnRef>
+        <a:fillRef idx="0">
+          <a:scrgbClr r="0" g="0" b="0"/>
+        </a:fillRef>
+        <a:effectRef idx="1">
+          <a:scrgbClr r="0" g="0" b="0"/>
+        </a:effectRef>
+        <a:fontRef idx="minor"/>
+      </dsp:style>
+    </dsp:sp>
+    <dsp:sp modelId="{93D6D820-F0E2-4E4E-A988-4DAB78B5B205}">
+      <dsp:nvSpPr>
+        <dsp:cNvPr id="0" name=""/>
+        <dsp:cNvSpPr/>
+      </dsp:nvSpPr>
+      <dsp:spPr>
+        <a:xfrm>
+          <a:off x="0" y="1451154"/>
+          <a:ext cx="10515600" cy="0"/>
+        </a:xfrm>
+        <a:prstGeom prst="line">
+          <a:avLst/>
+        </a:prstGeom>
+        <a:gradFill rotWithShape="0">
+          <a:gsLst>
+            <a:gs pos="0">
+              <a:schemeClr val="accent4">
+                <a:hueOff val="0"/>
+                <a:satOff val="0"/>
+                <a:lumOff val="0"/>
+                <a:alphaOff val="0"/>
+                <a:satMod val="103000"/>
+                <a:lumMod val="102000"/>
+                <a:tint val="94000"/>
+              </a:schemeClr>
+            </a:gs>
+            <a:gs pos="50000">
+              <a:schemeClr val="accent4">
+                <a:hueOff val="0"/>
+                <a:satOff val="0"/>
+                <a:lumOff val="0"/>
+                <a:alphaOff val="0"/>
+                <a:satMod val="110000"/>
+                <a:lumMod val="100000"/>
+                <a:shade val="100000"/>
+              </a:schemeClr>
+            </a:gs>
+            <a:gs pos="100000">
+              <a:schemeClr val="accent4">
+                <a:hueOff val="0"/>
+                <a:satOff val="0"/>
+                <a:lumOff val="0"/>
+                <a:alphaOff val="0"/>
+                <a:lumMod val="99000"/>
+                <a:satMod val="120000"/>
+                <a:shade val="78000"/>
+              </a:schemeClr>
+            </a:gs>
+          </a:gsLst>
+          <a:lin ang="5400000" scaled="0"/>
+        </a:gradFill>
+        <a:ln w="6350" cap="flat" cmpd="sng" algn="ctr">
+          <a:solidFill>
+            <a:schemeClr val="accent4">
+              <a:hueOff val="0"/>
+              <a:satOff val="0"/>
+              <a:lumOff val="0"/>
+              <a:alphaOff val="0"/>
+            </a:schemeClr>
+          </a:solidFill>
+          <a:prstDash val="solid"/>
+          <a:miter lim="800000"/>
+        </a:ln>
+        <a:effectLst>
+          <a:outerShdw blurRad="57150" dist="19050" dir="5400000" algn="ctr" rotWithShape="0">
+            <a:srgbClr val="000000">
+              <a:alpha val="63000"/>
+            </a:srgbClr>
+          </a:outerShdw>
+        </a:effectLst>
+      </dsp:spPr>
+      <dsp:style>
+        <a:lnRef idx="1">
+          <a:scrgbClr r="0" g="0" b="0"/>
+        </a:lnRef>
+        <a:fillRef idx="3">
+          <a:scrgbClr r="0" g="0" b="0"/>
+        </a:fillRef>
+        <a:effectRef idx="3">
+          <a:scrgbClr r="0" g="0" b="0"/>
+        </a:effectRef>
+        <a:fontRef idx="minor">
+          <a:schemeClr val="lt1"/>
+        </a:fontRef>
+      </dsp:style>
+    </dsp:sp>
+    <dsp:sp modelId="{9C69B863-9FC7-4942-9B3A-293C36E2B509}">
+      <dsp:nvSpPr>
+        <dsp:cNvPr id="0" name=""/>
+        <dsp:cNvSpPr/>
+      </dsp:nvSpPr>
+      <dsp:spPr>
+        <a:xfrm>
+          <a:off x="0" y="1451154"/>
+          <a:ext cx="2103120" cy="724514"/>
+        </a:xfrm>
+        <a:prstGeom prst="rect">
+          <a:avLst/>
+        </a:prstGeom>
+        <a:noFill/>
+        <a:ln>
+          <a:noFill/>
+        </a:ln>
+        <a:effectLst/>
+      </dsp:spPr>
+      <dsp:style>
+        <a:lnRef idx="0">
+          <a:scrgbClr r="0" g="0" b="0"/>
+        </a:lnRef>
+        <a:fillRef idx="0">
+          <a:scrgbClr r="0" g="0" b="0"/>
+        </a:fillRef>
+        <a:effectRef idx="0">
+          <a:scrgbClr r="0" g="0" b="0"/>
+        </a:effectRef>
+        <a:fontRef idx="minor"/>
+      </dsp:style>
+      <dsp:txBody>
+        <a:bodyPr spcFirstLastPara="0" vert="horz" wrap="square" lIns="125730" tIns="125730" rIns="125730" bIns="125730" numCol="1" spcCol="1270" anchor="t" anchorCtr="0">
+          <a:noAutofit/>
+        </a:bodyPr>
+        <a:lstStyle/>
+        <a:p>
+          <a:pPr lvl="0" algn="l" defTabSz="1466850">
+            <a:lnSpc>
+              <a:spcPct val="90000"/>
+            </a:lnSpc>
+            <a:spcBef>
+              <a:spcPct val="0"/>
+            </a:spcBef>
+            <a:spcAft>
+              <a:spcPct val="35000"/>
+            </a:spcAft>
+          </a:pPr>
+          <a:endParaRPr lang="en-US" sz="3300" kern="1200" dirty="0"/>
+        </a:p>
+      </dsp:txBody>
+      <dsp:txXfrm>
+        <a:off x="0" y="1451154"/>
+        <a:ext cx="2103120" cy="724514"/>
+      </dsp:txXfrm>
+    </dsp:sp>
+    <dsp:sp modelId="{F8E83A77-5EFF-4542-8F55-068EB85611F7}">
+      <dsp:nvSpPr>
+        <dsp:cNvPr id="0" name=""/>
+        <dsp:cNvSpPr/>
+      </dsp:nvSpPr>
+      <dsp:spPr>
+        <a:xfrm>
+          <a:off x="2260854" y="1484054"/>
+          <a:ext cx="8254746" cy="658006"/>
+        </a:xfrm>
+        <a:prstGeom prst="rect">
+          <a:avLst/>
+        </a:prstGeom>
+        <a:noFill/>
+        <a:ln>
+          <a:noFill/>
+        </a:ln>
+        <a:effectLst/>
+      </dsp:spPr>
+      <dsp:style>
+        <a:lnRef idx="0">
+          <a:scrgbClr r="0" g="0" b="0"/>
+        </a:lnRef>
+        <a:fillRef idx="0">
+          <a:scrgbClr r="0" g="0" b="0"/>
+        </a:fillRef>
+        <a:effectRef idx="0">
+          <a:scrgbClr r="0" g="0" b="0"/>
+        </a:effectRef>
+        <a:fontRef idx="minor"/>
+      </dsp:style>
+      <dsp:txBody>
+        <a:bodyPr spcFirstLastPara="0" vert="horz" wrap="square" lIns="114300" tIns="114300" rIns="114300" bIns="114300" numCol="1" spcCol="1270" anchor="t" anchorCtr="0">
+          <a:noAutofit/>
+        </a:bodyPr>
+        <a:lstStyle/>
+        <a:p>
+          <a:pPr lvl="0" algn="l" defTabSz="1333500">
+            <a:lnSpc>
+              <a:spcPct val="90000"/>
+            </a:lnSpc>
+            <a:spcBef>
+              <a:spcPct val="0"/>
+            </a:spcBef>
+            <a:spcAft>
+              <a:spcPct val="35000"/>
+            </a:spcAft>
+          </a:pPr>
+          <a:r>
+            <a:rPr lang="en-US" sz="3000" b="1" kern="1200" dirty="0"/>
+            <a:t>Data Migration</a:t>
+          </a:r>
+        </a:p>
+      </dsp:txBody>
+      <dsp:txXfrm>
+        <a:off x="2260854" y="1484054"/>
+        <a:ext cx="8254746" cy="658006"/>
+      </dsp:txXfrm>
+    </dsp:sp>
+    <dsp:sp modelId="{4CDA8BF6-6BB1-4E17-8D1D-60C1FA68845B}">
+      <dsp:nvSpPr>
+        <dsp:cNvPr id="0" name=""/>
+        <dsp:cNvSpPr/>
+      </dsp:nvSpPr>
+      <dsp:spPr>
+        <a:xfrm>
+          <a:off x="2103120" y="2142061"/>
+          <a:ext cx="8412480" cy="0"/>
+        </a:xfrm>
+        <a:prstGeom prst="line">
+          <a:avLst/>
+        </a:prstGeom>
+        <a:noFill/>
+        <a:ln w="6350" cap="flat" cmpd="sng" algn="ctr">
+          <a:solidFill>
+            <a:schemeClr val="accent2">
+              <a:tint val="50000"/>
+              <a:hueOff val="0"/>
+              <a:satOff val="0"/>
+              <a:lumOff val="0"/>
+              <a:alphaOff val="0"/>
+            </a:schemeClr>
+          </a:solidFill>
+          <a:prstDash val="solid"/>
+          <a:miter lim="800000"/>
+        </a:ln>
+        <a:effectLst/>
+      </dsp:spPr>
+      <dsp:style>
+        <a:lnRef idx="1">
+          <a:scrgbClr r="0" g="0" b="0"/>
+        </a:lnRef>
+        <a:fillRef idx="0">
+          <a:scrgbClr r="0" g="0" b="0"/>
+        </a:fillRef>
+        <a:effectRef idx="1">
+          <a:scrgbClr r="0" g="0" b="0"/>
+        </a:effectRef>
+        <a:fontRef idx="minor"/>
+      </dsp:style>
+    </dsp:sp>
+    <dsp:sp modelId="{B1516462-B8D4-4D92-A3FA-8281636BF374}">
+      <dsp:nvSpPr>
+        <dsp:cNvPr id="0" name=""/>
+        <dsp:cNvSpPr/>
+      </dsp:nvSpPr>
+      <dsp:spPr>
+        <a:xfrm>
+          <a:off x="0" y="2175669"/>
+          <a:ext cx="10515600" cy="0"/>
+        </a:xfrm>
+        <a:prstGeom prst="line">
+          <a:avLst/>
+        </a:prstGeom>
+        <a:gradFill rotWithShape="0">
+          <a:gsLst>
+            <a:gs pos="0">
+              <a:schemeClr val="accent5">
+                <a:hueOff val="0"/>
+                <a:satOff val="0"/>
+                <a:lumOff val="0"/>
+                <a:alphaOff val="0"/>
+                <a:satMod val="103000"/>
+                <a:lumMod val="102000"/>
+                <a:tint val="94000"/>
+              </a:schemeClr>
+            </a:gs>
+            <a:gs pos="50000">
+              <a:schemeClr val="accent5">
+                <a:hueOff val="0"/>
+                <a:satOff val="0"/>
+                <a:lumOff val="0"/>
+                <a:alphaOff val="0"/>
+                <a:satMod val="110000"/>
+                <a:lumMod val="100000"/>
+                <a:shade val="100000"/>
+              </a:schemeClr>
+            </a:gs>
+            <a:gs pos="100000">
+              <a:schemeClr val="accent5">
+                <a:hueOff val="0"/>
+                <a:satOff val="0"/>
+                <a:lumOff val="0"/>
+                <a:alphaOff val="0"/>
+                <a:lumMod val="99000"/>
+                <a:satMod val="120000"/>
+                <a:shade val="78000"/>
+              </a:schemeClr>
+            </a:gs>
+          </a:gsLst>
+          <a:lin ang="5400000" scaled="0"/>
+        </a:gradFill>
+        <a:ln w="6350" cap="flat" cmpd="sng" algn="ctr">
+          <a:solidFill>
+            <a:schemeClr val="accent5">
+              <a:hueOff val="0"/>
+              <a:satOff val="0"/>
+              <a:lumOff val="0"/>
+              <a:alphaOff val="0"/>
+            </a:schemeClr>
+          </a:solidFill>
+          <a:prstDash val="solid"/>
+          <a:miter lim="800000"/>
+        </a:ln>
+        <a:effectLst>
+          <a:outerShdw blurRad="57150" dist="19050" dir="5400000" algn="ctr" rotWithShape="0">
+            <a:srgbClr val="000000">
+              <a:alpha val="63000"/>
+            </a:srgbClr>
+          </a:outerShdw>
+        </a:effectLst>
+      </dsp:spPr>
+      <dsp:style>
+        <a:lnRef idx="1">
+          <a:scrgbClr r="0" g="0" b="0"/>
+        </a:lnRef>
+        <a:fillRef idx="3">
+          <a:scrgbClr r="0" g="0" b="0"/>
+        </a:fillRef>
+        <a:effectRef idx="3">
+          <a:scrgbClr r="0" g="0" b="0"/>
+        </a:effectRef>
+        <a:fontRef idx="minor">
+          <a:schemeClr val="lt1"/>
+        </a:fontRef>
+      </dsp:style>
+    </dsp:sp>
+    <dsp:sp modelId="{83227F2D-EAB0-4047-AE33-CCAE7E1396D7}">
+      <dsp:nvSpPr>
+        <dsp:cNvPr id="0" name=""/>
+        <dsp:cNvSpPr/>
+      </dsp:nvSpPr>
+      <dsp:spPr>
+        <a:xfrm>
+          <a:off x="0" y="2175669"/>
+          <a:ext cx="2103120" cy="724514"/>
+        </a:xfrm>
+        <a:prstGeom prst="rect">
+          <a:avLst/>
+        </a:prstGeom>
+        <a:noFill/>
+        <a:ln>
+          <a:noFill/>
+        </a:ln>
+        <a:effectLst/>
+      </dsp:spPr>
+      <dsp:style>
+        <a:lnRef idx="0">
+          <a:scrgbClr r="0" g="0" b="0"/>
+        </a:lnRef>
+        <a:fillRef idx="0">
+          <a:scrgbClr r="0" g="0" b="0"/>
+        </a:fillRef>
+        <a:effectRef idx="0">
+          <a:scrgbClr r="0" g="0" b="0"/>
+        </a:effectRef>
+        <a:fontRef idx="minor"/>
+      </dsp:style>
+      <dsp:txBody>
+        <a:bodyPr spcFirstLastPara="0" vert="horz" wrap="square" lIns="125730" tIns="125730" rIns="125730" bIns="125730" numCol="1" spcCol="1270" anchor="t" anchorCtr="0">
+          <a:noAutofit/>
+        </a:bodyPr>
+        <a:lstStyle/>
+        <a:p>
+          <a:pPr lvl="0" algn="l" defTabSz="1466850">
+            <a:lnSpc>
+              <a:spcPct val="90000"/>
+            </a:lnSpc>
+            <a:spcBef>
+              <a:spcPct val="0"/>
+            </a:spcBef>
+            <a:spcAft>
+              <a:spcPct val="35000"/>
+            </a:spcAft>
+          </a:pPr>
+          <a:endParaRPr lang="en-US" sz="3300" kern="1200" dirty="0"/>
+        </a:p>
+      </dsp:txBody>
+      <dsp:txXfrm>
+        <a:off x="0" y="2175669"/>
+        <a:ext cx="2103120" cy="724514"/>
+      </dsp:txXfrm>
+    </dsp:sp>
+    <dsp:sp modelId="{D7F41259-58DC-4368-84B8-63FBBB14E1BC}">
+      <dsp:nvSpPr>
+        <dsp:cNvPr id="0" name=""/>
+        <dsp:cNvSpPr/>
+      </dsp:nvSpPr>
+      <dsp:spPr>
+        <a:xfrm>
+          <a:off x="2260854" y="2208569"/>
+          <a:ext cx="8254746" cy="658006"/>
+        </a:xfrm>
+        <a:prstGeom prst="rect">
+          <a:avLst/>
+        </a:prstGeom>
+        <a:noFill/>
+        <a:ln>
+          <a:noFill/>
+        </a:ln>
+        <a:effectLst/>
+      </dsp:spPr>
+      <dsp:style>
+        <a:lnRef idx="0">
+          <a:scrgbClr r="0" g="0" b="0"/>
+        </a:lnRef>
+        <a:fillRef idx="0">
+          <a:scrgbClr r="0" g="0" b="0"/>
+        </a:fillRef>
+        <a:effectRef idx="0">
+          <a:scrgbClr r="0" g="0" b="0"/>
+        </a:effectRef>
+        <a:fontRef idx="minor"/>
+      </dsp:style>
+      <dsp:txBody>
+        <a:bodyPr spcFirstLastPara="0" vert="horz" wrap="square" lIns="114300" tIns="114300" rIns="114300" bIns="114300" numCol="1" spcCol="1270" anchor="t" anchorCtr="0">
+          <a:noAutofit/>
+        </a:bodyPr>
+        <a:lstStyle/>
+        <a:p>
+          <a:pPr lvl="0" algn="l" defTabSz="1333500">
+            <a:lnSpc>
+              <a:spcPct val="90000"/>
+            </a:lnSpc>
+            <a:spcBef>
+              <a:spcPct val="0"/>
+            </a:spcBef>
+            <a:spcAft>
+              <a:spcPct val="35000"/>
+            </a:spcAft>
+          </a:pPr>
+          <a:r>
+            <a:rPr lang="en-US" sz="3000" b="1" i="0" kern="1200" dirty="0"/>
+            <a:t>Application </a:t>
+          </a:r>
+          <a:r>
+            <a:rPr lang="en-US" sz="3000" b="1" i="0" kern="1200" dirty="0" smtClean="0"/>
+            <a:t>Migration</a:t>
+          </a:r>
+          <a:endParaRPr lang="en-US" sz="3000" i="0" kern="1200" dirty="0"/>
+        </a:p>
+      </dsp:txBody>
+      <dsp:txXfrm>
+        <a:off x="2260854" y="2208569"/>
+        <a:ext cx="8254746" cy="658006"/>
+      </dsp:txXfrm>
+    </dsp:sp>
+    <dsp:sp modelId="{5E810152-4325-476F-9F27-4B02B17BC8C5}">
+      <dsp:nvSpPr>
+        <dsp:cNvPr id="0" name=""/>
+        <dsp:cNvSpPr/>
+      </dsp:nvSpPr>
+      <dsp:spPr>
+        <a:xfrm>
+          <a:off x="2103120" y="2866575"/>
+          <a:ext cx="8412480" cy="0"/>
+        </a:xfrm>
+        <a:prstGeom prst="line">
+          <a:avLst/>
+        </a:prstGeom>
+        <a:noFill/>
+        <a:ln w="6350" cap="flat" cmpd="sng" algn="ctr">
+          <a:solidFill>
+            <a:schemeClr val="accent2">
+              <a:tint val="50000"/>
+              <a:hueOff val="0"/>
+              <a:satOff val="0"/>
+              <a:lumOff val="0"/>
+              <a:alphaOff val="0"/>
+            </a:schemeClr>
+          </a:solidFill>
+          <a:prstDash val="solid"/>
+          <a:miter lim="800000"/>
+        </a:ln>
+        <a:effectLst/>
+      </dsp:spPr>
+      <dsp:style>
+        <a:lnRef idx="1">
+          <a:scrgbClr r="0" g="0" b="0"/>
+        </a:lnRef>
+        <a:fillRef idx="0">
+          <a:scrgbClr r="0" g="0" b="0"/>
+        </a:fillRef>
+        <a:effectRef idx="1">
+          <a:scrgbClr r="0" g="0" b="0"/>
+        </a:effectRef>
+        <a:fontRef idx="minor"/>
+      </dsp:style>
+    </dsp:sp>
+    <dsp:sp modelId="{1A24448A-8552-4F67-A983-1E0099B224EA}">
+      <dsp:nvSpPr>
+        <dsp:cNvPr id="0" name=""/>
+        <dsp:cNvSpPr/>
+      </dsp:nvSpPr>
+      <dsp:spPr>
+        <a:xfrm>
+          <a:off x="0" y="2900183"/>
+          <a:ext cx="10515600" cy="0"/>
+        </a:xfrm>
+        <a:prstGeom prst="line">
+          <a:avLst/>
+        </a:prstGeom>
+        <a:gradFill rotWithShape="0">
+          <a:gsLst>
+            <a:gs pos="0">
+              <a:schemeClr val="accent6">
+                <a:hueOff val="0"/>
+                <a:satOff val="0"/>
+                <a:lumOff val="0"/>
+                <a:alphaOff val="0"/>
+                <a:satMod val="103000"/>
+                <a:lumMod val="102000"/>
+                <a:tint val="94000"/>
+              </a:schemeClr>
+            </a:gs>
+            <a:gs pos="50000">
+              <a:schemeClr val="accent6">
+                <a:hueOff val="0"/>
+                <a:satOff val="0"/>
+                <a:lumOff val="0"/>
+                <a:alphaOff val="0"/>
+                <a:satMod val="110000"/>
+                <a:lumMod val="100000"/>
+                <a:shade val="100000"/>
+              </a:schemeClr>
+            </a:gs>
+            <a:gs pos="100000">
+              <a:schemeClr val="accent6">
+                <a:hueOff val="0"/>
+                <a:satOff val="0"/>
+                <a:lumOff val="0"/>
+                <a:alphaOff val="0"/>
+                <a:lumMod val="99000"/>
+                <a:satMod val="120000"/>
+                <a:shade val="78000"/>
+              </a:schemeClr>
+            </a:gs>
+          </a:gsLst>
+          <a:lin ang="5400000" scaled="0"/>
+        </a:gradFill>
+        <a:ln w="6350" cap="flat" cmpd="sng" algn="ctr">
+          <a:solidFill>
+            <a:schemeClr val="accent6">
+              <a:hueOff val="0"/>
+              <a:satOff val="0"/>
+              <a:lumOff val="0"/>
+              <a:alphaOff val="0"/>
+            </a:schemeClr>
+          </a:solidFill>
+          <a:prstDash val="solid"/>
+          <a:miter lim="800000"/>
+        </a:ln>
+        <a:effectLst>
+          <a:outerShdw blurRad="57150" dist="19050" dir="5400000" algn="ctr" rotWithShape="0">
+            <a:srgbClr val="000000">
+              <a:alpha val="63000"/>
+            </a:srgbClr>
+          </a:outerShdw>
+        </a:effectLst>
+      </dsp:spPr>
+      <dsp:style>
+        <a:lnRef idx="1">
+          <a:scrgbClr r="0" g="0" b="0"/>
+        </a:lnRef>
+        <a:fillRef idx="3">
+          <a:scrgbClr r="0" g="0" b="0"/>
+        </a:fillRef>
+        <a:effectRef idx="3">
+          <a:scrgbClr r="0" g="0" b="0"/>
+        </a:effectRef>
+        <a:fontRef idx="minor">
+          <a:schemeClr val="lt1"/>
+        </a:fontRef>
+      </dsp:style>
+    </dsp:sp>
+    <dsp:sp modelId="{77A207CE-DD9E-43C1-957B-A491DFE469E4}">
+      <dsp:nvSpPr>
+        <dsp:cNvPr id="0" name=""/>
+        <dsp:cNvSpPr/>
+      </dsp:nvSpPr>
+      <dsp:spPr>
+        <a:xfrm>
+          <a:off x="0" y="2900183"/>
+          <a:ext cx="2103120" cy="724514"/>
+        </a:xfrm>
+        <a:prstGeom prst="rect">
+          <a:avLst/>
+        </a:prstGeom>
+        <a:noFill/>
+        <a:ln>
+          <a:noFill/>
+        </a:ln>
+        <a:effectLst/>
+      </dsp:spPr>
+      <dsp:style>
+        <a:lnRef idx="0">
+          <a:scrgbClr r="0" g="0" b="0"/>
+        </a:lnRef>
+        <a:fillRef idx="0">
+          <a:scrgbClr r="0" g="0" b="0"/>
+        </a:fillRef>
+        <a:effectRef idx="0">
+          <a:scrgbClr r="0" g="0" b="0"/>
+        </a:effectRef>
+        <a:fontRef idx="minor"/>
+      </dsp:style>
+      <dsp:txBody>
+        <a:bodyPr spcFirstLastPara="0" vert="horz" wrap="square" lIns="125730" tIns="125730" rIns="125730" bIns="125730" numCol="1" spcCol="1270" anchor="t" anchorCtr="0">
+          <a:noAutofit/>
+        </a:bodyPr>
+        <a:lstStyle/>
+        <a:p>
+          <a:pPr lvl="0" algn="l" defTabSz="1466850">
+            <a:lnSpc>
+              <a:spcPct val="90000"/>
+            </a:lnSpc>
+            <a:spcBef>
+              <a:spcPct val="0"/>
+            </a:spcBef>
+            <a:spcAft>
+              <a:spcPct val="35000"/>
+            </a:spcAft>
+          </a:pPr>
+          <a:endParaRPr lang="en-US" sz="3300" kern="1200" dirty="0"/>
+        </a:p>
+      </dsp:txBody>
+      <dsp:txXfrm>
+        <a:off x="0" y="2900183"/>
+        <a:ext cx="2103120" cy="724514"/>
+      </dsp:txXfrm>
+    </dsp:sp>
+    <dsp:sp modelId="{9C34E520-FA64-4E78-9BD7-6ADF8DF86717}">
+      <dsp:nvSpPr>
+        <dsp:cNvPr id="0" name=""/>
+        <dsp:cNvSpPr/>
+      </dsp:nvSpPr>
+      <dsp:spPr>
+        <a:xfrm>
+          <a:off x="2260854" y="2933084"/>
+          <a:ext cx="8254746" cy="658006"/>
+        </a:xfrm>
+        <a:prstGeom prst="rect">
+          <a:avLst/>
+        </a:prstGeom>
+        <a:noFill/>
+        <a:ln>
+          <a:noFill/>
+        </a:ln>
+        <a:effectLst/>
+      </dsp:spPr>
+      <dsp:style>
+        <a:lnRef idx="0">
+          <a:scrgbClr r="0" g="0" b="0"/>
+        </a:lnRef>
+        <a:fillRef idx="0">
+          <a:scrgbClr r="0" g="0" b="0"/>
+        </a:fillRef>
+        <a:effectRef idx="0">
+          <a:scrgbClr r="0" g="0" b="0"/>
+        </a:effectRef>
+        <a:fontRef idx="minor"/>
+      </dsp:style>
+      <dsp:txBody>
+        <a:bodyPr spcFirstLastPara="0" vert="horz" wrap="square" lIns="114300" tIns="114300" rIns="114300" bIns="114300" numCol="1" spcCol="1270" anchor="t" anchorCtr="0">
+          <a:noAutofit/>
+        </a:bodyPr>
+        <a:lstStyle/>
+        <a:p>
+          <a:pPr lvl="0" algn="l" defTabSz="1333500">
+            <a:lnSpc>
+              <a:spcPct val="90000"/>
+            </a:lnSpc>
+            <a:spcBef>
+              <a:spcPct val="0"/>
+            </a:spcBef>
+            <a:spcAft>
+              <a:spcPct val="35000"/>
+            </a:spcAft>
+          </a:pPr>
+          <a:r>
+            <a:rPr lang="en-US" sz="3000" b="1" kern="1200" dirty="0" smtClean="0"/>
+            <a:t>Leveraging the Cloud</a:t>
+          </a:r>
+          <a:endParaRPr lang="en-US" sz="3000" b="1" kern="1200" dirty="0"/>
+        </a:p>
+      </dsp:txBody>
+      <dsp:txXfrm>
+        <a:off x="2260854" y="2933084"/>
+        <a:ext cx="8254746" cy="658006"/>
+      </dsp:txXfrm>
+    </dsp:sp>
+    <dsp:sp modelId="{92775AC6-8F99-4509-9F05-541C2AA5B11B}">
+      <dsp:nvSpPr>
+        <dsp:cNvPr id="0" name=""/>
+        <dsp:cNvSpPr/>
+      </dsp:nvSpPr>
+      <dsp:spPr>
+        <a:xfrm>
+          <a:off x="2103120" y="3591090"/>
+          <a:ext cx="8412480" cy="0"/>
+        </a:xfrm>
+        <a:prstGeom prst="line">
+          <a:avLst/>
+        </a:prstGeom>
+        <a:noFill/>
+        <a:ln w="6350" cap="flat" cmpd="sng" algn="ctr">
+          <a:solidFill>
+            <a:schemeClr val="accent2">
+              <a:tint val="50000"/>
+              <a:hueOff val="0"/>
+              <a:satOff val="0"/>
+              <a:lumOff val="0"/>
+              <a:alphaOff val="0"/>
+            </a:schemeClr>
+          </a:solidFill>
+          <a:prstDash val="solid"/>
+          <a:miter lim="800000"/>
+        </a:ln>
+        <a:effectLst/>
+      </dsp:spPr>
+      <dsp:style>
+        <a:lnRef idx="1">
+          <a:scrgbClr r="0" g="0" b="0"/>
+        </a:lnRef>
+        <a:fillRef idx="0">
+          <a:scrgbClr r="0" g="0" b="0"/>
+        </a:fillRef>
+        <a:effectRef idx="1">
+          <a:scrgbClr r="0" g="0" b="0"/>
+        </a:effectRef>
+        <a:fontRef idx="minor"/>
+      </dsp:style>
+    </dsp:sp>
+    <dsp:sp modelId="{F2F1E405-407A-4883-9250-44ABD671190B}">
+      <dsp:nvSpPr>
+        <dsp:cNvPr id="0" name=""/>
+        <dsp:cNvSpPr/>
+      </dsp:nvSpPr>
+      <dsp:spPr>
+        <a:xfrm>
+          <a:off x="0" y="3624698"/>
+          <a:ext cx="10515600" cy="0"/>
+        </a:xfrm>
+        <a:prstGeom prst="line">
+          <a:avLst/>
+        </a:prstGeom>
+        <a:gradFill rotWithShape="0">
+          <a:gsLst>
+            <a:gs pos="0">
+              <a:schemeClr val="accent2">
+                <a:hueOff val="0"/>
+                <a:satOff val="0"/>
+                <a:lumOff val="0"/>
+                <a:alphaOff val="0"/>
+                <a:satMod val="103000"/>
+                <a:lumMod val="102000"/>
+                <a:tint val="94000"/>
+              </a:schemeClr>
+            </a:gs>
+            <a:gs pos="50000">
+              <a:schemeClr val="accent2">
+                <a:hueOff val="0"/>
+                <a:satOff val="0"/>
+                <a:lumOff val="0"/>
+                <a:alphaOff val="0"/>
+                <a:satMod val="110000"/>
+                <a:lumMod val="100000"/>
+                <a:shade val="100000"/>
+              </a:schemeClr>
+            </a:gs>
+            <a:gs pos="100000">
+              <a:schemeClr val="accent2">
+                <a:hueOff val="0"/>
+                <a:satOff val="0"/>
+                <a:lumOff val="0"/>
+                <a:alphaOff val="0"/>
+                <a:lumMod val="99000"/>
+                <a:satMod val="120000"/>
+                <a:shade val="78000"/>
+              </a:schemeClr>
+            </a:gs>
+          </a:gsLst>
+          <a:lin ang="5400000" scaled="0"/>
+        </a:gradFill>
+        <a:ln w="6350" cap="flat" cmpd="sng" algn="ctr">
+          <a:solidFill>
+            <a:schemeClr val="accent2">
+              <a:hueOff val="0"/>
+              <a:satOff val="0"/>
+              <a:lumOff val="0"/>
+              <a:alphaOff val="0"/>
+            </a:schemeClr>
+          </a:solidFill>
+          <a:prstDash val="solid"/>
+          <a:miter lim="800000"/>
+        </a:ln>
+        <a:effectLst>
+          <a:outerShdw blurRad="57150" dist="19050" dir="5400000" algn="ctr" rotWithShape="0">
+            <a:srgbClr val="000000">
+              <a:alpha val="63000"/>
+            </a:srgbClr>
+          </a:outerShdw>
+        </a:effectLst>
+      </dsp:spPr>
+      <dsp:style>
+        <a:lnRef idx="1">
+          <a:scrgbClr r="0" g="0" b="0"/>
+        </a:lnRef>
+        <a:fillRef idx="3">
+          <a:scrgbClr r="0" g="0" b="0"/>
+        </a:fillRef>
+        <a:effectRef idx="3">
+          <a:scrgbClr r="0" g="0" b="0"/>
+        </a:effectRef>
+        <a:fontRef idx="minor">
+          <a:schemeClr val="lt1"/>
+        </a:fontRef>
+      </dsp:style>
+    </dsp:sp>
+    <dsp:sp modelId="{148592F1-11D5-4462-83FB-8FDF5C4DE928}">
+      <dsp:nvSpPr>
+        <dsp:cNvPr id="0" name=""/>
+        <dsp:cNvSpPr/>
+      </dsp:nvSpPr>
+      <dsp:spPr>
+        <a:xfrm>
+          <a:off x="0" y="3624698"/>
+          <a:ext cx="2103120" cy="724514"/>
+        </a:xfrm>
+        <a:prstGeom prst="rect">
+          <a:avLst/>
+        </a:prstGeom>
+        <a:noFill/>
+        <a:ln>
+          <a:noFill/>
+        </a:ln>
+        <a:effectLst/>
+      </dsp:spPr>
+      <dsp:style>
+        <a:lnRef idx="0">
+          <a:scrgbClr r="0" g="0" b="0"/>
+        </a:lnRef>
+        <a:fillRef idx="0">
+          <a:scrgbClr r="0" g="0" b="0"/>
+        </a:fillRef>
+        <a:effectRef idx="0">
+          <a:scrgbClr r="0" g="0" b="0"/>
+        </a:effectRef>
+        <a:fontRef idx="minor"/>
+      </dsp:style>
+      <dsp:txBody>
+        <a:bodyPr spcFirstLastPara="0" vert="horz" wrap="square" lIns="125730" tIns="125730" rIns="125730" bIns="125730" numCol="1" spcCol="1270" anchor="t" anchorCtr="0">
+          <a:noAutofit/>
+        </a:bodyPr>
+        <a:lstStyle/>
+        <a:p>
+          <a:pPr lvl="0" algn="l" defTabSz="1466850">
+            <a:lnSpc>
+              <a:spcPct val="90000"/>
+            </a:lnSpc>
+            <a:spcBef>
+              <a:spcPct val="0"/>
+            </a:spcBef>
+            <a:spcAft>
+              <a:spcPct val="35000"/>
+            </a:spcAft>
+          </a:pPr>
+          <a:endParaRPr lang="en-US" sz="3300" kern="1200" dirty="0"/>
+        </a:p>
+      </dsp:txBody>
+      <dsp:txXfrm>
+        <a:off x="0" y="3624698"/>
+        <a:ext cx="2103120" cy="724514"/>
+      </dsp:txXfrm>
+    </dsp:sp>
+    <dsp:sp modelId="{308C7E33-E4DB-4BCB-A1EF-643E5937092D}">
+      <dsp:nvSpPr>
+        <dsp:cNvPr id="0" name=""/>
+        <dsp:cNvSpPr/>
+      </dsp:nvSpPr>
+      <dsp:spPr>
+        <a:xfrm>
+          <a:off x="2260854" y="3657598"/>
+          <a:ext cx="8254746" cy="658006"/>
+        </a:xfrm>
+        <a:prstGeom prst="rect">
+          <a:avLst/>
+        </a:prstGeom>
+        <a:noFill/>
+        <a:ln>
+          <a:noFill/>
+        </a:ln>
+        <a:effectLst/>
+      </dsp:spPr>
+      <dsp:style>
+        <a:lnRef idx="0">
+          <a:scrgbClr r="0" g="0" b="0"/>
+        </a:lnRef>
+        <a:fillRef idx="0">
+          <a:scrgbClr r="0" g="0" b="0"/>
+        </a:fillRef>
+        <a:effectRef idx="0">
+          <a:scrgbClr r="0" g="0" b="0"/>
+        </a:effectRef>
+        <a:fontRef idx="minor"/>
+      </dsp:style>
+      <dsp:txBody>
+        <a:bodyPr spcFirstLastPara="0" vert="horz" wrap="square" lIns="114300" tIns="114300" rIns="114300" bIns="114300" numCol="1" spcCol="1270" anchor="t" anchorCtr="0">
+          <a:noAutofit/>
+        </a:bodyPr>
+        <a:lstStyle/>
+        <a:p>
+          <a:pPr lvl="0" algn="l" defTabSz="1333500">
+            <a:lnSpc>
+              <a:spcPct val="90000"/>
+            </a:lnSpc>
+            <a:spcBef>
+              <a:spcPct val="0"/>
+            </a:spcBef>
+            <a:spcAft>
+              <a:spcPct val="35000"/>
+            </a:spcAft>
+          </a:pPr>
+          <a:r>
+            <a:rPr lang="en-US" sz="3000" b="1" kern="1200" dirty="0" smtClean="0"/>
+            <a:t>Optimization</a:t>
+          </a:r>
+          <a:endParaRPr lang="en-US" sz="3000" kern="1200" dirty="0"/>
+        </a:p>
+      </dsp:txBody>
+      <dsp:txXfrm>
+        <a:off x="2260854" y="3657598"/>
+        <a:ext cx="8254746" cy="658006"/>
+      </dsp:txXfrm>
+    </dsp:sp>
+    <dsp:sp modelId="{9C4C0D05-1EC3-4E09-BB26-98533D23B8DF}">
+      <dsp:nvSpPr>
+        <dsp:cNvPr id="0" name=""/>
+        <dsp:cNvSpPr/>
+      </dsp:nvSpPr>
+      <dsp:spPr>
+        <a:xfrm>
+          <a:off x="2103120" y="4315605"/>
+          <a:ext cx="8412480" cy="0"/>
+        </a:xfrm>
+        <a:prstGeom prst="line">
+          <a:avLst/>
+        </a:prstGeom>
+        <a:noFill/>
+        <a:ln w="6350" cap="flat" cmpd="sng" algn="ctr">
+          <a:solidFill>
+            <a:schemeClr val="accent2">
+              <a:tint val="50000"/>
+              <a:hueOff val="0"/>
+              <a:satOff val="0"/>
+              <a:lumOff val="0"/>
+              <a:alphaOff val="0"/>
+            </a:schemeClr>
+          </a:solidFill>
+          <a:prstDash val="solid"/>
+          <a:miter lim="800000"/>
+        </a:ln>
+        <a:effectLst/>
+      </dsp:spPr>
+      <dsp:style>
+        <a:lnRef idx="1">
+          <a:scrgbClr r="0" g="0" b="0"/>
+        </a:lnRef>
+        <a:fillRef idx="0">
+          <a:scrgbClr r="0" g="0" b="0"/>
+        </a:fillRef>
+        <a:effectRef idx="1">
+          <a:scrgbClr r="0" g="0" b="0"/>
+        </a:effectRef>
+        <a:fontRef idx="minor"/>
+      </dsp:style>
+    </dsp:sp>
   </dsp:spTree>
 </dsp:drawing>
 </file>
@@ -6174,11 +8032,7 @@
           </a:pPr>
           <a:r>
             <a:rPr lang="en-US" sz="4200" kern="1200" dirty="0" smtClean="0"/>
-            <a:t>Instrumentation </a:t>
-          </a:r>
-          <a:r>
-            <a:rPr lang="en-US" sz="4200" kern="1200" dirty="0" smtClean="0"/>
-            <a:t>(PowerShell</a:t>
+            <a:t>Instrumentation (PowerShell</a:t>
           </a:r>
           <a:r>
             <a:rPr lang="en-US" sz="4200" kern="1200" smtClean="0"/>
@@ -14522,7 +16376,7 @@
           <a:p>
             <a:fld id="{5A135C14-3663-45F7-A117-972246DBCE9B}" type="slidenum">
               <a:rPr lang="en-US" smtClean="0"/>
-              <a:t>16</a:t>
+              <a:t>18</a:t>
             </a:fld>
             <a:endParaRPr lang="en-US" dirty="0"/>
           </a:p>
@@ -17488,6 +19342,40 @@
           </a:xfrm>
         </p:spPr>
       </p:pic>
+      <p:sp>
+        <p:nvSpPr>
+          <p:cNvPr id="2" name="Rectangle 1"/>
+          <p:cNvSpPr/>
+          <p:nvPr/>
+        </p:nvSpPr>
+        <p:spPr>
+          <a:xfrm>
+            <a:off x="-1" y="521290"/>
+            <a:ext cx="3898669" cy="523220"/>
+          </a:xfrm>
+          <a:prstGeom prst="rect">
+            <a:avLst/>
+          </a:prstGeom>
+        </p:spPr>
+        <p:txBody>
+          <a:bodyPr wrap="square">
+            <a:spAutoFit/>
+          </a:bodyPr>
+          <a:lstStyle/>
+          <a:p>
+            <a:pPr algn="ctr"/>
+            <a:r>
+              <a:rPr lang="en-US" b="1" dirty="0"/>
+              <a:t>#</a:t>
+            </a:r>
+            <a:r>
+              <a:rPr lang="en-US" sz="2800" b="1" dirty="0" smtClean="0"/>
+              <a:t>GLOBALAZURE</a:t>
+            </a:r>
+            <a:endParaRPr lang="en-US" b="1" dirty="0"/>
+          </a:p>
+        </p:txBody>
+      </p:sp>
     </p:spTree>
     <p:extLst>
       <p:ext uri="{BB962C8B-B14F-4D97-AF65-F5344CB8AC3E}">
@@ -17517,6 +19405,457 @@
 </file>
 
 <file path=ppt/slides/slide10.xml><?xml version="1.0" encoding="utf-8"?>
+<p:sld xmlns:a="http://schemas.openxmlformats.org/drawingml/2006/main" xmlns:r="http://schemas.openxmlformats.org/officeDocument/2006/relationships" xmlns:p="http://schemas.openxmlformats.org/presentationml/2006/main">
+  <p:cSld>
+    <p:spTree>
+      <p:nvGrpSpPr>
+        <p:cNvPr id="1" name=""/>
+        <p:cNvGrpSpPr/>
+        <p:nvPr/>
+      </p:nvGrpSpPr>
+      <p:grpSpPr>
+        <a:xfrm>
+          <a:off x="0" y="0"/>
+          <a:ext cx="0" cy="0"/>
+          <a:chOff x="0" y="0"/>
+          <a:chExt cx="0" cy="0"/>
+        </a:xfrm>
+      </p:grpSpPr>
+      <p:sp>
+        <p:nvSpPr>
+          <p:cNvPr id="3" name="Content Placeholder 2"/>
+          <p:cNvSpPr>
+            <a:spLocks noGrp="1"/>
+          </p:cNvSpPr>
+          <p:nvPr>
+            <p:ph idx="1"/>
+          </p:nvPr>
+        </p:nvSpPr>
+        <p:spPr>
+          <a:xfrm>
+            <a:off x="520836" y="1447801"/>
+            <a:ext cx="11155093" cy="3951851"/>
+          </a:xfrm>
+        </p:spPr>
+        <p:txBody>
+          <a:bodyPr/>
+          <a:lstStyle/>
+          <a:p>
+            <a:pPr marL="0" indent="0" algn="ctr">
+              <a:buNone/>
+            </a:pPr>
+            <a:r>
+              <a:rPr lang="en-US" dirty="0" smtClean="0"/>
+              <a:t>If you have questions on the labs or issues </a:t>
+            </a:r>
+          </a:p>
+          <a:p>
+            <a:pPr marL="0" indent="0" algn="ctr">
+              <a:buNone/>
+            </a:pPr>
+            <a:endParaRPr lang="en-US" dirty="0"/>
+          </a:p>
+          <a:p>
+            <a:pPr marL="0" indent="0" algn="ctr">
+              <a:buNone/>
+            </a:pPr>
+            <a:r>
+              <a:rPr lang="en-US" dirty="0" smtClean="0"/>
+              <a:t>Use the HASHTAG </a:t>
+            </a:r>
+          </a:p>
+          <a:p>
+            <a:pPr marL="0" indent="0" algn="ctr">
+              <a:buNone/>
+            </a:pPr>
+            <a:r>
+              <a:rPr lang="en-US" sz="9600" b="1" dirty="0"/>
+              <a:t>#</a:t>
+            </a:r>
+            <a:r>
+              <a:rPr lang="en-US" sz="9600" b="1" dirty="0" smtClean="0"/>
+              <a:t>GLOBALAZURELAB</a:t>
+            </a:r>
+          </a:p>
+          <a:p>
+            <a:pPr marL="0" indent="0" algn="ctr">
+              <a:buNone/>
+            </a:pPr>
+            <a:r>
+              <a:rPr lang="en-US" dirty="0" smtClean="0"/>
+              <a:t>And the organization will jump on it!</a:t>
+            </a:r>
+            <a:endParaRPr lang="nl-BE" dirty="0"/>
+          </a:p>
+        </p:txBody>
+      </p:sp>
+      <p:pic>
+        <p:nvPicPr>
+          <p:cNvPr id="6" name="Picture 5"/>
+          <p:cNvPicPr>
+            <a:picLocks noChangeAspect="1"/>
+          </p:cNvPicPr>
+          <p:nvPr/>
+        </p:nvPicPr>
+        <p:blipFill>
+          <a:blip r:embed="rId2"/>
+          <a:stretch>
+            <a:fillRect/>
+          </a:stretch>
+        </p:blipFill>
+        <p:spPr>
+          <a:xfrm>
+            <a:off x="3333987" y="1857350"/>
+            <a:ext cx="5522439" cy="644285"/>
+          </a:xfrm>
+          <a:prstGeom prst="rect">
+            <a:avLst/>
+          </a:prstGeom>
+        </p:spPr>
+      </p:pic>
+      <p:pic>
+        <p:nvPicPr>
+          <p:cNvPr id="4" name="Content Placeholder 6"/>
+          <p:cNvPicPr>
+            <a:picLocks noChangeAspect="1"/>
+          </p:cNvPicPr>
+          <p:nvPr/>
+        </p:nvPicPr>
+        <p:blipFill>
+          <a:blip r:embed="rId3" cstate="print">
+            <a:extLst>
+              <a:ext uri="{28A0092B-C50C-407E-A947-70E740481C1C}">
+                <a14:useLocalDpi xmlns:a14="http://schemas.microsoft.com/office/drawing/2010/main" val="0"/>
+              </a:ext>
+            </a:extLst>
+          </a:blip>
+          <a:stretch>
+            <a:fillRect/>
+          </a:stretch>
+        </p:blipFill>
+        <p:spPr>
+          <a:xfrm>
+            <a:off x="9932567" y="5388031"/>
+            <a:ext cx="2259433" cy="1525118"/>
+          </a:xfrm>
+          <a:prstGeom prst="rect">
+            <a:avLst/>
+          </a:prstGeom>
+        </p:spPr>
+      </p:pic>
+    </p:spTree>
+    <p:extLst>
+      <p:ext uri="{BB962C8B-B14F-4D97-AF65-F5344CB8AC3E}">
+        <p14:creationId xmlns:p14="http://schemas.microsoft.com/office/powerpoint/2010/main" val="3626941520"/>
+      </p:ext>
+    </p:extLst>
+  </p:cSld>
+  <p:clrMapOvr>
+    <a:masterClrMapping/>
+  </p:clrMapOvr>
+  <mc:AlternateContent xmlns:mc="http://schemas.openxmlformats.org/markup-compatibility/2006" xmlns:p14="http://schemas.microsoft.com/office/powerpoint/2010/main">
+    <mc:Choice Requires="p14">
+      <p:transition spd="slow" p14:dur="2000" advTm="10000"/>
+    </mc:Choice>
+    <mc:Fallback xmlns="">
+      <p:transition spd="slow" advTm="10000"/>
+    </mc:Fallback>
+  </mc:AlternateContent>
+  <p:timing>
+    <p:tnLst>
+      <p:par>
+        <p:cTn id="1" dur="indefinite" restart="never" nodeType="tmRoot"/>
+      </p:par>
+    </p:tnLst>
+  </p:timing>
+</p:sld>
+</file>
+
+<file path=ppt/slides/slide11.xml><?xml version="1.0" encoding="utf-8"?>
+<p:sld xmlns:a="http://schemas.openxmlformats.org/drawingml/2006/main" xmlns:r="http://schemas.openxmlformats.org/officeDocument/2006/relationships" xmlns:p="http://schemas.openxmlformats.org/presentationml/2006/main">
+  <p:cSld>
+    <p:spTree>
+      <p:nvGrpSpPr>
+        <p:cNvPr id="1" name=""/>
+        <p:cNvGrpSpPr/>
+        <p:nvPr/>
+      </p:nvGrpSpPr>
+      <p:grpSpPr>
+        <a:xfrm>
+          <a:off x="0" y="0"/>
+          <a:ext cx="0" cy="0"/>
+          <a:chOff x="0" y="0"/>
+          <a:chExt cx="0" cy="0"/>
+        </a:xfrm>
+      </p:grpSpPr>
+      <p:sp>
+        <p:nvSpPr>
+          <p:cNvPr id="2" name="Text Placeholder 5"/>
+          <p:cNvSpPr txBox="1">
+            <a:spLocks/>
+          </p:cNvSpPr>
+          <p:nvPr/>
+        </p:nvSpPr>
+        <p:spPr>
+          <a:xfrm>
+            <a:off x="519113" y="1068292"/>
+            <a:ext cx="11460854" cy="2227832"/>
+          </a:xfrm>
+          <a:prstGeom prst="rect">
+            <a:avLst/>
+          </a:prstGeom>
+        </p:spPr>
+        <p:txBody>
+          <a:bodyPr vert="horz" lIns="91440" tIns="45720" rIns="91440" bIns="45720" rtlCol="0" anchor="t"/>
+          <a:lstStyle>
+            <a:defPPr>
+              <a:defRPr lang="en-US"/>
+            </a:defPPr>
+            <a:lvl1pPr marL="0" algn="l" defTabSz="914400" rtl="0" eaLnBrk="1" latinLnBrk="0" hangingPunct="1">
+              <a:defRPr sz="1200" kern="1200">
+                <a:solidFill>
+                  <a:schemeClr val="tx1">
+                    <a:tint val="75000"/>
+                  </a:schemeClr>
+                </a:solidFill>
+                <a:latin typeface="+mn-lt"/>
+                <a:ea typeface="+mn-ea"/>
+                <a:cs typeface="+mn-cs"/>
+              </a:defRPr>
+            </a:lvl1pPr>
+            <a:lvl2pPr marL="457200" algn="l" defTabSz="914400" rtl="0" eaLnBrk="1" latinLnBrk="0" hangingPunct="1">
+              <a:defRPr sz="1800" kern="1200">
+                <a:solidFill>
+                  <a:schemeClr val="tx1"/>
+                </a:solidFill>
+                <a:latin typeface="+mn-lt"/>
+                <a:ea typeface="+mn-ea"/>
+                <a:cs typeface="+mn-cs"/>
+              </a:defRPr>
+            </a:lvl2pPr>
+            <a:lvl3pPr marL="914400" algn="l" defTabSz="914400" rtl="0" eaLnBrk="1" latinLnBrk="0" hangingPunct="1">
+              <a:defRPr sz="1800" kern="1200">
+                <a:solidFill>
+                  <a:schemeClr val="tx1"/>
+                </a:solidFill>
+                <a:latin typeface="+mn-lt"/>
+                <a:ea typeface="+mn-ea"/>
+                <a:cs typeface="+mn-cs"/>
+              </a:defRPr>
+            </a:lvl3pPr>
+            <a:lvl4pPr marL="1371600" algn="l" defTabSz="914400" rtl="0" eaLnBrk="1" latinLnBrk="0" hangingPunct="1">
+              <a:defRPr sz="1800" kern="1200">
+                <a:solidFill>
+                  <a:schemeClr val="tx1"/>
+                </a:solidFill>
+                <a:latin typeface="+mn-lt"/>
+                <a:ea typeface="+mn-ea"/>
+                <a:cs typeface="+mn-cs"/>
+              </a:defRPr>
+            </a:lvl4pPr>
+            <a:lvl5pPr marL="1828800" algn="l" defTabSz="914400" rtl="0" eaLnBrk="1" latinLnBrk="0" hangingPunct="1">
+              <a:defRPr sz="1800" kern="1200">
+                <a:solidFill>
+                  <a:schemeClr val="tx1"/>
+                </a:solidFill>
+                <a:latin typeface="+mn-lt"/>
+                <a:ea typeface="+mn-ea"/>
+                <a:cs typeface="+mn-cs"/>
+              </a:defRPr>
+            </a:lvl5pPr>
+            <a:lvl6pPr marL="2286000" algn="l" defTabSz="914400" rtl="0" eaLnBrk="1" latinLnBrk="0" hangingPunct="1">
+              <a:defRPr sz="1800" kern="1200">
+                <a:solidFill>
+                  <a:schemeClr val="tx1"/>
+                </a:solidFill>
+                <a:latin typeface="+mn-lt"/>
+                <a:ea typeface="+mn-ea"/>
+                <a:cs typeface="+mn-cs"/>
+              </a:defRPr>
+            </a:lvl6pPr>
+            <a:lvl7pPr marL="2743200" algn="l" defTabSz="914400" rtl="0" eaLnBrk="1" latinLnBrk="0" hangingPunct="1">
+              <a:defRPr sz="1800" kern="1200">
+                <a:solidFill>
+                  <a:schemeClr val="tx1"/>
+                </a:solidFill>
+                <a:latin typeface="+mn-lt"/>
+                <a:ea typeface="+mn-ea"/>
+                <a:cs typeface="+mn-cs"/>
+              </a:defRPr>
+            </a:lvl7pPr>
+            <a:lvl8pPr marL="3200400" algn="l" defTabSz="914400" rtl="0" eaLnBrk="1" latinLnBrk="0" hangingPunct="1">
+              <a:defRPr sz="1800" kern="1200">
+                <a:solidFill>
+                  <a:schemeClr val="tx1"/>
+                </a:solidFill>
+                <a:latin typeface="+mn-lt"/>
+                <a:ea typeface="+mn-ea"/>
+                <a:cs typeface="+mn-cs"/>
+              </a:defRPr>
+            </a:lvl8pPr>
+            <a:lvl9pPr marL="3657600" algn="l" defTabSz="914400" rtl="0" eaLnBrk="1" latinLnBrk="0" hangingPunct="1">
+              <a:defRPr sz="1800" kern="1200">
+                <a:solidFill>
+                  <a:schemeClr val="tx1"/>
+                </a:solidFill>
+                <a:latin typeface="+mn-lt"/>
+                <a:ea typeface="+mn-ea"/>
+                <a:cs typeface="+mn-cs"/>
+              </a:defRPr>
+            </a:lvl9pPr>
+          </a:lstStyle>
+          <a:p>
+            <a:r>
+              <a:rPr lang="en-US" sz="2800" dirty="0" smtClean="0">
+                <a:solidFill>
+                  <a:schemeClr val="tx1"/>
+                </a:solidFill>
+              </a:rPr>
+              <a:t>Be a good minion and drive a few laps </a:t>
+            </a:r>
+            <a:r>
+              <a:rPr lang="en-US" sz="2800" dirty="0" smtClean="0">
+                <a:solidFill>
+                  <a:schemeClr val="tx1"/>
+                </a:solidFill>
+                <a:sym typeface="Wingdings" panose="05000000000000000000" pitchFamily="2" charset="2"/>
+              </a:rPr>
+              <a:t>. </a:t>
+            </a:r>
+          </a:p>
+          <a:p>
+            <a:r>
+              <a:rPr lang="en-US" sz="2800" dirty="0" smtClean="0">
+                <a:solidFill>
+                  <a:schemeClr val="tx1"/>
+                </a:solidFill>
+                <a:sym typeface="Wingdings" panose="05000000000000000000" pitchFamily="2" charset="2"/>
+              </a:rPr>
+              <a:t>Logon with &lt;ENTER COUNTRY CODE HERE&gt; on</a:t>
+            </a:r>
+          </a:p>
+          <a:p>
+            <a:pPr algn="ctr"/>
+            <a:r>
+              <a:rPr lang="nl-BE" sz="6000" u="sng" dirty="0">
+                <a:hlinkClick r:id="rId2"/>
+              </a:rPr>
+              <a:t>http://gabracing.azurewebsites.net</a:t>
+            </a:r>
+            <a:endParaRPr lang="en-US" sz="6000" dirty="0">
+              <a:solidFill>
+                <a:schemeClr val="tx1"/>
+              </a:solidFill>
+            </a:endParaRPr>
+          </a:p>
+        </p:txBody>
+      </p:sp>
+      <p:sp>
+        <p:nvSpPr>
+          <p:cNvPr id="3" name="Title 6"/>
+          <p:cNvSpPr txBox="1">
+            <a:spLocks/>
+          </p:cNvSpPr>
+          <p:nvPr/>
+        </p:nvSpPr>
+        <p:spPr>
+          <a:xfrm>
+            <a:off x="519112" y="228600"/>
+            <a:ext cx="11149013" cy="747897"/>
+          </a:xfrm>
+          <a:prstGeom prst="rect">
+            <a:avLst/>
+          </a:prstGeom>
+        </p:spPr>
+        <p:txBody>
+          <a:bodyPr/>
+          <a:lstStyle>
+            <a:lvl1pPr algn="l" defTabSz="914400" rtl="0" eaLnBrk="1" latinLnBrk="0" hangingPunct="1">
+              <a:lnSpc>
+                <a:spcPct val="90000"/>
+              </a:lnSpc>
+              <a:spcBef>
+                <a:spcPct val="0"/>
+              </a:spcBef>
+              <a:buNone/>
+              <a:defRPr sz="4400" kern="1200">
+                <a:solidFill>
+                  <a:schemeClr val="tx1"/>
+                </a:solidFill>
+                <a:latin typeface="+mj-lt"/>
+                <a:ea typeface="+mj-ea"/>
+                <a:cs typeface="+mj-cs"/>
+              </a:defRPr>
+            </a:lvl1pPr>
+          </a:lstStyle>
+          <a:p>
+            <a:r>
+              <a:rPr lang="en-US" dirty="0" smtClean="0"/>
+              <a:t>The Racing Lab</a:t>
+            </a:r>
+            <a:endParaRPr lang="en-US" dirty="0"/>
+          </a:p>
+        </p:txBody>
+      </p:sp>
+      <p:pic>
+        <p:nvPicPr>
+          <p:cNvPr id="5" name="Picture 4"/>
+          <p:cNvPicPr>
+            <a:picLocks noChangeAspect="1"/>
+          </p:cNvPicPr>
+          <p:nvPr/>
+        </p:nvPicPr>
+        <p:blipFill>
+          <a:blip r:embed="rId3">
+            <a:extLst>
+              <a:ext uri="{28A0092B-C50C-407E-A947-70E740481C1C}">
+                <a14:useLocalDpi xmlns:a14="http://schemas.microsoft.com/office/drawing/2010/main" val="0"/>
+              </a:ext>
+            </a:extLst>
+          </a:blip>
+          <a:stretch>
+            <a:fillRect/>
+          </a:stretch>
+        </p:blipFill>
+        <p:spPr>
+          <a:xfrm>
+            <a:off x="-2382" y="3296124"/>
+            <a:ext cx="12192000" cy="3647644"/>
+          </a:xfrm>
+          <a:prstGeom prst="rect">
+            <a:avLst/>
+          </a:prstGeom>
+        </p:spPr>
+      </p:pic>
+    </p:spTree>
+    <p:extLst>
+      <p:ext uri="{BB962C8B-B14F-4D97-AF65-F5344CB8AC3E}">
+        <p14:creationId xmlns:p14="http://schemas.microsoft.com/office/powerpoint/2010/main" val="1458033113"/>
+      </p:ext>
+    </p:extLst>
+  </p:cSld>
+  <p:clrMapOvr>
+    <a:masterClrMapping/>
+  </p:clrMapOvr>
+  <mc:AlternateContent xmlns:mc="http://schemas.openxmlformats.org/markup-compatibility/2006" xmlns:p14="http://schemas.microsoft.com/office/powerpoint/2010/main">
+    <mc:Choice Requires="p14">
+      <p:transition spd="slow" p14:dur="2000" advTm="10000"/>
+    </mc:Choice>
+    <mc:Fallback xmlns="">
+      <p:transition spd="slow" advTm="10000"/>
+    </mc:Fallback>
+  </mc:AlternateContent>
+  <p:timing>
+    <p:tnLst>
+      <p:par>
+        <p:cTn id="1" dur="indefinite" restart="never" nodeType="tmRoot"/>
+      </p:par>
+    </p:tnLst>
+  </p:timing>
+</p:sld>
+</file>
+
+<file path=ppt/slides/slide12.xml><?xml version="1.0" encoding="utf-8"?>
 <p:sld xmlns:a="http://schemas.openxmlformats.org/drawingml/2006/main" xmlns:r="http://schemas.openxmlformats.org/officeDocument/2006/relationships" xmlns:p="http://schemas.openxmlformats.org/presentationml/2006/main">
   <p:cSld>
     <p:spTree>
@@ -17679,7 +20018,7 @@
 </p:sld>
 </file>
 
-<file path=ppt/slides/slide11.xml><?xml version="1.0" encoding="utf-8"?>
+<file path=ppt/slides/slide13.xml><?xml version="1.0" encoding="utf-8"?>
 <p:sld xmlns:a="http://schemas.openxmlformats.org/drawingml/2006/main" xmlns:r="http://schemas.openxmlformats.org/officeDocument/2006/relationships" xmlns:p="http://schemas.openxmlformats.org/presentationml/2006/main" show="0">
   <p:cSld>
     <p:spTree>
@@ -17952,7 +20291,7 @@
 </p:sld>
 </file>
 
-<file path=ppt/slides/slide12.xml><?xml version="1.0" encoding="utf-8"?>
+<file path=ppt/slides/slide14.xml><?xml version="1.0" encoding="utf-8"?>
 <p:sld xmlns:a="http://schemas.openxmlformats.org/drawingml/2006/main" xmlns:r="http://schemas.openxmlformats.org/officeDocument/2006/relationships" xmlns:p="http://schemas.openxmlformats.org/presentationml/2006/main" show="0">
   <p:cSld>
     <p:spTree>
@@ -18163,7 +20502,7 @@
 </p:sld>
 </file>
 
-<file path=ppt/slides/slide13.xml><?xml version="1.0" encoding="utf-8"?>
+<file path=ppt/slides/slide15.xml><?xml version="1.0" encoding="utf-8"?>
 <p:sld xmlns:a="http://schemas.openxmlformats.org/drawingml/2006/main" xmlns:r="http://schemas.openxmlformats.org/officeDocument/2006/relationships" xmlns:p="http://schemas.openxmlformats.org/presentationml/2006/main" show="0">
   <p:cSld>
     <p:spTree>
@@ -18332,7 +20671,7 @@
 </p:sld>
 </file>
 
-<file path=ppt/slides/slide14.xml><?xml version="1.0" encoding="utf-8"?>
+<file path=ppt/slides/slide16.xml><?xml version="1.0" encoding="utf-8"?>
 <p:sld xmlns:a="http://schemas.openxmlformats.org/drawingml/2006/main" xmlns:r="http://schemas.openxmlformats.org/officeDocument/2006/relationships" xmlns:p="http://schemas.openxmlformats.org/presentationml/2006/main">
   <p:cSld>
     <p:spTree>
@@ -18457,7 +20796,7 @@
 </p:sld>
 </file>
 
-<file path=ppt/slides/slide15.xml><?xml version="1.0" encoding="utf-8"?>
+<file path=ppt/slides/slide17.xml><?xml version="1.0" encoding="utf-8"?>
 <p:sld xmlns:a="http://schemas.openxmlformats.org/drawingml/2006/main" xmlns:r="http://schemas.openxmlformats.org/officeDocument/2006/relationships" xmlns:p="http://schemas.openxmlformats.org/presentationml/2006/main">
   <p:cSld>
     <p:spTree>
@@ -18769,7 +21108,7 @@
 </p:sld>
 </file>
 
-<file path=ppt/slides/slide16.xml><?xml version="1.0" encoding="utf-8"?>
+<file path=ppt/slides/slide18.xml><?xml version="1.0" encoding="utf-8"?>
 <p:sld xmlns:a="http://schemas.openxmlformats.org/drawingml/2006/main" xmlns:r="http://schemas.openxmlformats.org/officeDocument/2006/relationships" xmlns:p="http://schemas.openxmlformats.org/presentationml/2006/main">
   <p:cSld>
     <p:spTree>
@@ -18884,7 +21223,7 @@
 </p:sld>
 </file>
 
-<file path=ppt/slides/slide17.xml><?xml version="1.0" encoding="utf-8"?>
+<file path=ppt/slides/slide19.xml><?xml version="1.0" encoding="utf-8"?>
 <p:sld xmlns:a="http://schemas.openxmlformats.org/drawingml/2006/main" xmlns:r="http://schemas.openxmlformats.org/officeDocument/2006/relationships" xmlns:p="http://schemas.openxmlformats.org/presentationml/2006/main">
   <p:cSld>
     <p:spTree>
@@ -18956,210 +21295,6 @@
     <p:extLst>
       <p:ext uri="{BB962C8B-B14F-4D97-AF65-F5344CB8AC3E}">
         <p14:creationId xmlns:p14="http://schemas.microsoft.com/office/powerpoint/2010/main" val="2945954806"/>
-      </p:ext>
-    </p:extLst>
-  </p:cSld>
-  <p:clrMapOvr>
-    <a:masterClrMapping/>
-  </p:clrMapOvr>
-  <p:timing>
-    <p:tnLst>
-      <p:par>
-        <p:cTn id="1" dur="indefinite" restart="never" nodeType="tmRoot"/>
-      </p:par>
-    </p:tnLst>
-  </p:timing>
-</p:sld>
-</file>
-
-<file path=ppt/slides/slide18.xml><?xml version="1.0" encoding="utf-8"?>
-<p:sld xmlns:a="http://schemas.openxmlformats.org/drawingml/2006/main" xmlns:r="http://schemas.openxmlformats.org/officeDocument/2006/relationships" xmlns:p="http://schemas.openxmlformats.org/presentationml/2006/main">
-  <p:cSld>
-    <p:spTree>
-      <p:nvGrpSpPr>
-        <p:cNvPr id="1" name=""/>
-        <p:cNvGrpSpPr/>
-        <p:nvPr/>
-      </p:nvGrpSpPr>
-      <p:grpSpPr>
-        <a:xfrm>
-          <a:off x="0" y="0"/>
-          <a:ext cx="0" cy="0"/>
-          <a:chOff x="0" y="0"/>
-          <a:chExt cx="0" cy="0"/>
-        </a:xfrm>
-      </p:grpSpPr>
-      <p:sp>
-        <p:nvSpPr>
-          <p:cNvPr id="2" name="Title 1"/>
-          <p:cNvSpPr>
-            <a:spLocks noGrp="1"/>
-          </p:cNvSpPr>
-          <p:nvPr>
-            <p:ph type="title"/>
-          </p:nvPr>
-        </p:nvSpPr>
-        <p:spPr/>
-        <p:txBody>
-          <a:bodyPr/>
-          <a:lstStyle/>
-          <a:p>
-            <a:pPr lvl="0"/>
-            <a:r>
-              <a:rPr lang="en-US" b="1" dirty="0"/>
-              <a:t>Cloud </a:t>
-            </a:r>
-            <a:r>
-              <a:rPr lang="en-US" b="1" dirty="0" smtClean="0"/>
-              <a:t>Assessment Phase</a:t>
-            </a:r>
-            <a:endParaRPr lang="en-US" dirty="0"/>
-          </a:p>
-        </p:txBody>
-      </p:sp>
-      <p:sp>
-        <p:nvSpPr>
-          <p:cNvPr id="3" name="Content Placeholder 2"/>
-          <p:cNvSpPr>
-            <a:spLocks noGrp="1"/>
-          </p:cNvSpPr>
-          <p:nvPr>
-            <p:ph idx="1"/>
-          </p:nvPr>
-        </p:nvSpPr>
-        <p:spPr/>
-        <p:txBody>
-          <a:bodyPr>
-            <a:normAutofit/>
-          </a:bodyPr>
-          <a:lstStyle/>
-          <a:p>
-            <a:r>
-              <a:rPr lang="en-US" sz="3600" dirty="0" smtClean="0"/>
-              <a:t>Estimating Cost</a:t>
-            </a:r>
-          </a:p>
-          <a:p>
-            <a:r>
-              <a:rPr lang="en-US" sz="3600" dirty="0" smtClean="0"/>
-              <a:t>Assess Security</a:t>
-            </a:r>
-          </a:p>
-          <a:p>
-            <a:r>
-              <a:rPr lang="en-US" sz="3600" dirty="0" smtClean="0"/>
-              <a:t>Identify the tools for Migration</a:t>
-            </a:r>
-            <a:endParaRPr lang="en-US" sz="3600" dirty="0"/>
-          </a:p>
-        </p:txBody>
-      </p:sp>
-    </p:spTree>
-    <p:extLst>
-      <p:ext uri="{BB962C8B-B14F-4D97-AF65-F5344CB8AC3E}">
-        <p14:creationId xmlns:p14="http://schemas.microsoft.com/office/powerpoint/2010/main" val="517964455"/>
-      </p:ext>
-    </p:extLst>
-  </p:cSld>
-  <p:clrMapOvr>
-    <a:masterClrMapping/>
-  </p:clrMapOvr>
-  <p:timing>
-    <p:tnLst>
-      <p:par>
-        <p:cTn id="1" dur="indefinite" restart="never" nodeType="tmRoot"/>
-      </p:par>
-    </p:tnLst>
-  </p:timing>
-</p:sld>
-</file>
-
-<file path=ppt/slides/slide19.xml><?xml version="1.0" encoding="utf-8"?>
-<p:sld xmlns:a="http://schemas.openxmlformats.org/drawingml/2006/main" xmlns:r="http://schemas.openxmlformats.org/officeDocument/2006/relationships" xmlns:p="http://schemas.openxmlformats.org/presentationml/2006/main">
-  <p:cSld>
-    <p:spTree>
-      <p:nvGrpSpPr>
-        <p:cNvPr id="1" name=""/>
-        <p:cNvGrpSpPr/>
-        <p:nvPr/>
-      </p:nvGrpSpPr>
-      <p:grpSpPr>
-        <a:xfrm>
-          <a:off x="0" y="0"/>
-          <a:ext cx="0" cy="0"/>
-          <a:chOff x="0" y="0"/>
-          <a:chExt cx="0" cy="0"/>
-        </a:xfrm>
-      </p:grpSpPr>
-      <p:sp>
-        <p:nvSpPr>
-          <p:cNvPr id="2" name="Title 1"/>
-          <p:cNvSpPr>
-            <a:spLocks noGrp="1"/>
-          </p:cNvSpPr>
-          <p:nvPr>
-            <p:ph type="title"/>
-          </p:nvPr>
-        </p:nvSpPr>
-        <p:spPr/>
-        <p:txBody>
-          <a:bodyPr/>
-          <a:lstStyle/>
-          <a:p>
-            <a:r>
-              <a:rPr lang="en-US" b="1" dirty="0"/>
-              <a:t>Proof of </a:t>
-            </a:r>
-            <a:r>
-              <a:rPr lang="en-US" b="1" dirty="0" smtClean="0"/>
-              <a:t>Concept</a:t>
-            </a:r>
-            <a:r>
-              <a:rPr lang="en-US" dirty="0" smtClean="0"/>
-              <a:t> </a:t>
-            </a:r>
-            <a:r>
-              <a:rPr lang="en-US" b="1" dirty="0" smtClean="0"/>
-              <a:t>Phase </a:t>
-            </a:r>
-            <a:endParaRPr lang="en-US" b="1" dirty="0"/>
-          </a:p>
-        </p:txBody>
-      </p:sp>
-      <p:sp>
-        <p:nvSpPr>
-          <p:cNvPr id="3" name="Content Placeholder 2"/>
-          <p:cNvSpPr>
-            <a:spLocks noGrp="1"/>
-          </p:cNvSpPr>
-          <p:nvPr>
-            <p:ph idx="1"/>
-          </p:nvPr>
-        </p:nvSpPr>
-        <p:spPr/>
-        <p:txBody>
-          <a:bodyPr>
-            <a:normAutofit/>
-          </a:bodyPr>
-          <a:lstStyle/>
-          <a:p>
-            <a:r>
-              <a:rPr lang="en-US" sz="3600" dirty="0" smtClean="0"/>
-              <a:t>Run products on cloud</a:t>
-            </a:r>
-          </a:p>
-          <a:p>
-            <a:r>
-              <a:rPr lang="en-US" sz="3600" dirty="0" smtClean="0"/>
-              <a:t>Assess different PaaS and IaaS services</a:t>
-            </a:r>
-          </a:p>
-        </p:txBody>
-      </p:sp>
-    </p:spTree>
-    <p:extLst>
-      <p:ext uri="{BB962C8B-B14F-4D97-AF65-F5344CB8AC3E}">
-        <p14:creationId xmlns:p14="http://schemas.microsoft.com/office/powerpoint/2010/main" val="1829285878"/>
       </p:ext>
     </p:extLst>
   </p:cSld>
@@ -19429,6 +21564,210 @@
           <a:bodyPr/>
           <a:lstStyle/>
           <a:p>
+            <a:pPr lvl="0"/>
+            <a:r>
+              <a:rPr lang="en-US" b="1" dirty="0"/>
+              <a:t>Cloud </a:t>
+            </a:r>
+            <a:r>
+              <a:rPr lang="en-US" b="1" dirty="0" smtClean="0"/>
+              <a:t>Assessment Phase</a:t>
+            </a:r>
+            <a:endParaRPr lang="en-US" dirty="0"/>
+          </a:p>
+        </p:txBody>
+      </p:sp>
+      <p:sp>
+        <p:nvSpPr>
+          <p:cNvPr id="3" name="Content Placeholder 2"/>
+          <p:cNvSpPr>
+            <a:spLocks noGrp="1"/>
+          </p:cNvSpPr>
+          <p:nvPr>
+            <p:ph idx="1"/>
+          </p:nvPr>
+        </p:nvSpPr>
+        <p:spPr/>
+        <p:txBody>
+          <a:bodyPr>
+            <a:normAutofit/>
+          </a:bodyPr>
+          <a:lstStyle/>
+          <a:p>
+            <a:r>
+              <a:rPr lang="en-US" sz="3600" dirty="0" smtClean="0"/>
+              <a:t>Estimating Cost</a:t>
+            </a:r>
+          </a:p>
+          <a:p>
+            <a:r>
+              <a:rPr lang="en-US" sz="3600" dirty="0" smtClean="0"/>
+              <a:t>Assess Security</a:t>
+            </a:r>
+          </a:p>
+          <a:p>
+            <a:r>
+              <a:rPr lang="en-US" sz="3600" dirty="0" smtClean="0"/>
+              <a:t>Identify the tools for Migration</a:t>
+            </a:r>
+            <a:endParaRPr lang="en-US" sz="3600" dirty="0"/>
+          </a:p>
+        </p:txBody>
+      </p:sp>
+    </p:spTree>
+    <p:extLst>
+      <p:ext uri="{BB962C8B-B14F-4D97-AF65-F5344CB8AC3E}">
+        <p14:creationId xmlns:p14="http://schemas.microsoft.com/office/powerpoint/2010/main" val="517964455"/>
+      </p:ext>
+    </p:extLst>
+  </p:cSld>
+  <p:clrMapOvr>
+    <a:masterClrMapping/>
+  </p:clrMapOvr>
+  <p:timing>
+    <p:tnLst>
+      <p:par>
+        <p:cTn id="1" dur="indefinite" restart="never" nodeType="tmRoot"/>
+      </p:par>
+    </p:tnLst>
+  </p:timing>
+</p:sld>
+</file>
+
+<file path=ppt/slides/slide21.xml><?xml version="1.0" encoding="utf-8"?>
+<p:sld xmlns:a="http://schemas.openxmlformats.org/drawingml/2006/main" xmlns:r="http://schemas.openxmlformats.org/officeDocument/2006/relationships" xmlns:p="http://schemas.openxmlformats.org/presentationml/2006/main">
+  <p:cSld>
+    <p:spTree>
+      <p:nvGrpSpPr>
+        <p:cNvPr id="1" name=""/>
+        <p:cNvGrpSpPr/>
+        <p:nvPr/>
+      </p:nvGrpSpPr>
+      <p:grpSpPr>
+        <a:xfrm>
+          <a:off x="0" y="0"/>
+          <a:ext cx="0" cy="0"/>
+          <a:chOff x="0" y="0"/>
+          <a:chExt cx="0" cy="0"/>
+        </a:xfrm>
+      </p:grpSpPr>
+      <p:sp>
+        <p:nvSpPr>
+          <p:cNvPr id="2" name="Title 1"/>
+          <p:cNvSpPr>
+            <a:spLocks noGrp="1"/>
+          </p:cNvSpPr>
+          <p:nvPr>
+            <p:ph type="title"/>
+          </p:nvPr>
+        </p:nvSpPr>
+        <p:spPr/>
+        <p:txBody>
+          <a:bodyPr/>
+          <a:lstStyle/>
+          <a:p>
+            <a:r>
+              <a:rPr lang="en-US" b="1" dirty="0"/>
+              <a:t>Proof of </a:t>
+            </a:r>
+            <a:r>
+              <a:rPr lang="en-US" b="1" dirty="0" smtClean="0"/>
+              <a:t>Concept</a:t>
+            </a:r>
+            <a:r>
+              <a:rPr lang="en-US" dirty="0" smtClean="0"/>
+              <a:t> </a:t>
+            </a:r>
+            <a:r>
+              <a:rPr lang="en-US" b="1" dirty="0" smtClean="0"/>
+              <a:t>Phase </a:t>
+            </a:r>
+            <a:endParaRPr lang="en-US" b="1" dirty="0"/>
+          </a:p>
+        </p:txBody>
+      </p:sp>
+      <p:sp>
+        <p:nvSpPr>
+          <p:cNvPr id="3" name="Content Placeholder 2"/>
+          <p:cNvSpPr>
+            <a:spLocks noGrp="1"/>
+          </p:cNvSpPr>
+          <p:nvPr>
+            <p:ph idx="1"/>
+          </p:nvPr>
+        </p:nvSpPr>
+        <p:spPr/>
+        <p:txBody>
+          <a:bodyPr>
+            <a:normAutofit/>
+          </a:bodyPr>
+          <a:lstStyle/>
+          <a:p>
+            <a:r>
+              <a:rPr lang="en-US" sz="3600" dirty="0" smtClean="0"/>
+              <a:t>Run products on cloud</a:t>
+            </a:r>
+          </a:p>
+          <a:p>
+            <a:r>
+              <a:rPr lang="en-US" sz="3600" dirty="0" smtClean="0"/>
+              <a:t>Assess different PaaS and IaaS services</a:t>
+            </a:r>
+          </a:p>
+        </p:txBody>
+      </p:sp>
+    </p:spTree>
+    <p:extLst>
+      <p:ext uri="{BB962C8B-B14F-4D97-AF65-F5344CB8AC3E}">
+        <p14:creationId xmlns:p14="http://schemas.microsoft.com/office/powerpoint/2010/main" val="1829285878"/>
+      </p:ext>
+    </p:extLst>
+  </p:cSld>
+  <p:clrMapOvr>
+    <a:masterClrMapping/>
+  </p:clrMapOvr>
+  <p:timing>
+    <p:tnLst>
+      <p:par>
+        <p:cTn id="1" dur="indefinite" restart="never" nodeType="tmRoot"/>
+      </p:par>
+    </p:tnLst>
+  </p:timing>
+</p:sld>
+</file>
+
+<file path=ppt/slides/slide22.xml><?xml version="1.0" encoding="utf-8"?>
+<p:sld xmlns:a="http://schemas.openxmlformats.org/drawingml/2006/main" xmlns:r="http://schemas.openxmlformats.org/officeDocument/2006/relationships" xmlns:p="http://schemas.openxmlformats.org/presentationml/2006/main">
+  <p:cSld>
+    <p:spTree>
+      <p:nvGrpSpPr>
+        <p:cNvPr id="1" name=""/>
+        <p:cNvGrpSpPr/>
+        <p:nvPr/>
+      </p:nvGrpSpPr>
+      <p:grpSpPr>
+        <a:xfrm>
+          <a:off x="0" y="0"/>
+          <a:ext cx="0" cy="0"/>
+          <a:chOff x="0" y="0"/>
+          <a:chExt cx="0" cy="0"/>
+        </a:xfrm>
+      </p:grpSpPr>
+      <p:sp>
+        <p:nvSpPr>
+          <p:cNvPr id="2" name="Title 1"/>
+          <p:cNvSpPr>
+            <a:spLocks noGrp="1"/>
+          </p:cNvSpPr>
+          <p:nvPr>
+            <p:ph type="title"/>
+          </p:nvPr>
+        </p:nvSpPr>
+        <p:spPr/>
+        <p:txBody>
+          <a:bodyPr/>
+          <a:lstStyle/>
+          <a:p>
             <a:r>
               <a:rPr lang="en-US" b="1" dirty="0" smtClean="0"/>
               <a:t>Data Migration Phase </a:t>
@@ -19499,7 +21838,7 @@
 </p:sld>
 </file>
 
-<file path=ppt/slides/slide21.xml><?xml version="1.0" encoding="utf-8"?>
+<file path=ppt/slides/slide23.xml><?xml version="1.0" encoding="utf-8"?>
 <p:sld xmlns:a="http://schemas.openxmlformats.org/drawingml/2006/main" xmlns:r="http://schemas.openxmlformats.org/officeDocument/2006/relationships" xmlns:p="http://schemas.openxmlformats.org/presentationml/2006/main">
   <p:cSld>
     <p:spTree>
@@ -19618,7 +21957,7 @@
 </p:sld>
 </file>
 
-<file path=ppt/slides/slide22.xml><?xml version="1.0" encoding="utf-8"?>
+<file path=ppt/slides/slide24.xml><?xml version="1.0" encoding="utf-8"?>
 <p:sld xmlns:a="http://schemas.openxmlformats.org/drawingml/2006/main" xmlns:r="http://schemas.openxmlformats.org/officeDocument/2006/relationships" xmlns:p="http://schemas.openxmlformats.org/presentationml/2006/main">
   <p:cSld>
     <p:spTree>
@@ -19721,7 +22060,7 @@
 </p:sld>
 </file>
 
-<file path=ppt/slides/slide23.xml><?xml version="1.0" encoding="utf-8"?>
+<file path=ppt/slides/slide25.xml><?xml version="1.0" encoding="utf-8"?>
 <p:sld xmlns:a="http://schemas.openxmlformats.org/drawingml/2006/main" xmlns:r="http://schemas.openxmlformats.org/officeDocument/2006/relationships" xmlns:p="http://schemas.openxmlformats.org/presentationml/2006/main">
   <p:cSld>
     <p:spTree>
@@ -19806,7 +22145,7 @@
 </p:sld>
 </file>
 
-<file path=ppt/slides/slide24.xml><?xml version="1.0" encoding="utf-8"?>
+<file path=ppt/slides/slide26.xml><?xml version="1.0" encoding="utf-8"?>
 <p:sld xmlns:a="http://schemas.openxmlformats.org/drawingml/2006/main" xmlns:r="http://schemas.openxmlformats.org/officeDocument/2006/relationships" xmlns:p="http://schemas.openxmlformats.org/presentationml/2006/main">
   <p:cSld>
     <p:spTree>
@@ -19891,7 +22230,7 @@
 </p:sld>
 </file>
 
-<file path=ppt/slides/slide25.xml><?xml version="1.0" encoding="utf-8"?>
+<file path=ppt/slides/slide27.xml><?xml version="1.0" encoding="utf-8"?>
 <p:sld xmlns:a="http://schemas.openxmlformats.org/drawingml/2006/main" xmlns:r="http://schemas.openxmlformats.org/officeDocument/2006/relationships" xmlns:p="http://schemas.openxmlformats.org/presentationml/2006/main">
   <p:cSld>
     <p:spTree>
@@ -20063,7 +22402,7 @@
 </p:sld>
 </file>
 
-<file path=ppt/slides/slide26.xml><?xml version="1.0" encoding="utf-8"?>
+<file path=ppt/slides/slide28.xml><?xml version="1.0" encoding="utf-8"?>
 <p:sld xmlns:a="http://schemas.openxmlformats.org/drawingml/2006/main" xmlns:r="http://schemas.openxmlformats.org/officeDocument/2006/relationships" xmlns:p="http://schemas.openxmlformats.org/presentationml/2006/main">
   <p:cSld>
     <p:spTree>
@@ -20935,6 +23274,178 @@
       </p:grpSpPr>
       <p:sp>
         <p:nvSpPr>
+          <p:cNvPr id="2" name="Title 1"/>
+          <p:cNvSpPr>
+            <a:spLocks noGrp="1"/>
+          </p:cNvSpPr>
+          <p:nvPr>
+            <p:ph type="title"/>
+          </p:nvPr>
+        </p:nvSpPr>
+        <p:spPr/>
+        <p:txBody>
+          <a:bodyPr/>
+          <a:lstStyle/>
+          <a:p>
+            <a:r>
+              <a:rPr lang="en-US" dirty="0" smtClean="0"/>
+              <a:t>183 Locations</a:t>
+            </a:r>
+            <a:endParaRPr lang="en-US" dirty="0"/>
+          </a:p>
+        </p:txBody>
+      </p:sp>
+      <p:pic>
+        <p:nvPicPr>
+          <p:cNvPr id="4" name="Content Placeholder 3"/>
+          <p:cNvPicPr>
+            <a:picLocks noGrp="1" noChangeAspect="1"/>
+          </p:cNvPicPr>
+          <p:nvPr>
+            <p:ph idx="1"/>
+          </p:nvPr>
+        </p:nvPicPr>
+        <p:blipFill>
+          <a:blip r:embed="rId2"/>
+          <a:stretch>
+            <a:fillRect/>
+          </a:stretch>
+        </p:blipFill>
+        <p:spPr>
+          <a:xfrm>
+            <a:off x="1272180" y="1825625"/>
+            <a:ext cx="8914238" cy="4741430"/>
+          </a:xfrm>
+          <a:prstGeom prst="rect">
+            <a:avLst/>
+          </a:prstGeom>
+        </p:spPr>
+      </p:pic>
+    </p:spTree>
+    <p:extLst>
+      <p:ext uri="{BB962C8B-B14F-4D97-AF65-F5344CB8AC3E}">
+        <p14:creationId xmlns:p14="http://schemas.microsoft.com/office/powerpoint/2010/main" val="703252708"/>
+      </p:ext>
+    </p:extLst>
+  </p:cSld>
+  <p:clrMapOvr>
+    <a:masterClrMapping/>
+  </p:clrMapOvr>
+  <p:timing>
+    <p:tnLst>
+      <p:par>
+        <p:cTn id="1" dur="indefinite" restart="never" nodeType="tmRoot"/>
+      </p:par>
+    </p:tnLst>
+  </p:timing>
+</p:sld>
+</file>
+
+<file path=ppt/slides/slide6.xml><?xml version="1.0" encoding="utf-8"?>
+<p:sld xmlns:a="http://schemas.openxmlformats.org/drawingml/2006/main" xmlns:r="http://schemas.openxmlformats.org/officeDocument/2006/relationships" xmlns:p="http://schemas.openxmlformats.org/presentationml/2006/main">
+  <p:cSld>
+    <p:spTree>
+      <p:nvGrpSpPr>
+        <p:cNvPr id="1" name=""/>
+        <p:cNvGrpSpPr/>
+        <p:nvPr/>
+      </p:nvGrpSpPr>
+      <p:grpSpPr>
+        <a:xfrm>
+          <a:off x="0" y="0"/>
+          <a:ext cx="0" cy="0"/>
+          <a:chOff x="0" y="0"/>
+          <a:chExt cx="0" cy="0"/>
+        </a:xfrm>
+      </p:grpSpPr>
+      <p:sp>
+        <p:nvSpPr>
+          <p:cNvPr id="2" name="Title 1"/>
+          <p:cNvSpPr>
+            <a:spLocks noGrp="1"/>
+          </p:cNvSpPr>
+          <p:nvPr>
+            <p:ph type="title"/>
+          </p:nvPr>
+        </p:nvSpPr>
+        <p:spPr/>
+        <p:txBody>
+          <a:bodyPr/>
+          <a:lstStyle/>
+          <a:p>
+            <a:r>
+              <a:rPr lang="en-US" dirty="0" smtClean="0"/>
+              <a:t>Three Locations in Ukraine</a:t>
+            </a:r>
+            <a:endParaRPr lang="en-US" dirty="0"/>
+          </a:p>
+        </p:txBody>
+      </p:sp>
+      <p:pic>
+        <p:nvPicPr>
+          <p:cNvPr id="4" name="Content Placeholder 3"/>
+          <p:cNvPicPr>
+            <a:picLocks noGrp="1" noChangeAspect="1"/>
+          </p:cNvPicPr>
+          <p:nvPr>
+            <p:ph idx="1"/>
+          </p:nvPr>
+        </p:nvPicPr>
+        <p:blipFill>
+          <a:blip r:embed="rId2"/>
+          <a:stretch>
+            <a:fillRect/>
+          </a:stretch>
+        </p:blipFill>
+        <p:spPr>
+          <a:xfrm>
+            <a:off x="2271178" y="1521229"/>
+            <a:ext cx="8280061" cy="4609199"/>
+          </a:xfrm>
+          <a:prstGeom prst="rect">
+            <a:avLst/>
+          </a:prstGeom>
+        </p:spPr>
+      </p:pic>
+    </p:spTree>
+    <p:extLst>
+      <p:ext uri="{BB962C8B-B14F-4D97-AF65-F5344CB8AC3E}">
+        <p14:creationId xmlns:p14="http://schemas.microsoft.com/office/powerpoint/2010/main" val="2249112100"/>
+      </p:ext>
+    </p:extLst>
+  </p:cSld>
+  <p:clrMapOvr>
+    <a:masterClrMapping/>
+  </p:clrMapOvr>
+  <p:timing>
+    <p:tnLst>
+      <p:par>
+        <p:cTn id="1" dur="indefinite" restart="never" nodeType="tmRoot"/>
+      </p:par>
+    </p:tnLst>
+  </p:timing>
+</p:sld>
+</file>
+
+<file path=ppt/slides/slide7.xml><?xml version="1.0" encoding="utf-8"?>
+<p:sld xmlns:a="http://schemas.openxmlformats.org/drawingml/2006/main" xmlns:r="http://schemas.openxmlformats.org/officeDocument/2006/relationships" xmlns:p="http://schemas.openxmlformats.org/presentationml/2006/main">
+  <p:cSld>
+    <p:spTree>
+      <p:nvGrpSpPr>
+        <p:cNvPr id="1" name=""/>
+        <p:cNvGrpSpPr/>
+        <p:nvPr/>
+      </p:nvGrpSpPr>
+      <p:grpSpPr>
+        <a:xfrm>
+          <a:off x="0" y="0"/>
+          <a:ext cx="0" cy="0"/>
+          <a:chOff x="0" y="0"/>
+          <a:chExt cx="0" cy="0"/>
+        </a:xfrm>
+      </p:grpSpPr>
+      <p:sp>
+        <p:nvSpPr>
           <p:cNvPr id="2" name="Text Placeholder 5"/>
           <p:cNvSpPr txBox="1">
             <a:spLocks/>
@@ -21078,7 +23589,17 @@
                   </a:schemeClr>
                 </a:solidFill>
               </a:rPr>
-              <a:t>Wi-Fi SID: 365_Lab1, 365_Lab2</a:t>
+              <a:t>Wi-Fi SID: </a:t>
+            </a:r>
+            <a:r>
+              <a:rPr lang="en-US" sz="2800" dirty="0" smtClean="0">
+                <a:solidFill>
+                  <a:schemeClr val="accent6">
+                    <a:lumMod val="75000"/>
+                  </a:schemeClr>
+                </a:solidFill>
+              </a:rPr>
+              <a:t>Lab365_1, Lab365_2</a:t>
             </a:r>
             <a:endParaRPr lang="en-US" sz="2800" dirty="0">
               <a:solidFill>
@@ -21221,7 +23742,7 @@
 </p:sld>
 </file>
 
-<file path=ppt/slides/slide6.xml><?xml version="1.0" encoding="utf-8"?>
+<file path=ppt/slides/slide8.xml><?xml version="1.0" encoding="utf-8"?>
 <p:sld xmlns:a="http://schemas.openxmlformats.org/drawingml/2006/main" xmlns:r="http://schemas.openxmlformats.org/officeDocument/2006/relationships" xmlns:p="http://schemas.openxmlformats.org/presentationml/2006/main">
   <p:cSld>
     <p:spTree>
@@ -22839,7 +25360,7 @@
 </p:sld>
 </file>
 
-<file path=ppt/slides/slide7.xml><?xml version="1.0" encoding="utf-8"?>
+<file path=ppt/slides/slide9.xml><?xml version="1.0" encoding="utf-8"?>
 <p:sld xmlns:a="http://schemas.openxmlformats.org/drawingml/2006/main" xmlns:r="http://schemas.openxmlformats.org/officeDocument/2006/relationships" xmlns:p="http://schemas.openxmlformats.org/presentationml/2006/main">
   <p:cSld>
     <p:spTree>
@@ -23241,457 +25762,6 @@
     <p:extLst>
       <p:ext uri="{BB962C8B-B14F-4D97-AF65-F5344CB8AC3E}">
         <p14:creationId xmlns:p14="http://schemas.microsoft.com/office/powerpoint/2010/main" val="2800647479"/>
-      </p:ext>
-    </p:extLst>
-  </p:cSld>
-  <p:clrMapOvr>
-    <a:masterClrMapping/>
-  </p:clrMapOvr>
-  <mc:AlternateContent xmlns:mc="http://schemas.openxmlformats.org/markup-compatibility/2006" xmlns:p14="http://schemas.microsoft.com/office/powerpoint/2010/main">
-    <mc:Choice Requires="p14">
-      <p:transition spd="slow" p14:dur="2000" advTm="10000"/>
-    </mc:Choice>
-    <mc:Fallback xmlns="">
-      <p:transition spd="slow" advTm="10000"/>
-    </mc:Fallback>
-  </mc:AlternateContent>
-  <p:timing>
-    <p:tnLst>
-      <p:par>
-        <p:cTn id="1" dur="indefinite" restart="never" nodeType="tmRoot"/>
-      </p:par>
-    </p:tnLst>
-  </p:timing>
-</p:sld>
-</file>
-
-<file path=ppt/slides/slide8.xml><?xml version="1.0" encoding="utf-8"?>
-<p:sld xmlns:a="http://schemas.openxmlformats.org/drawingml/2006/main" xmlns:r="http://schemas.openxmlformats.org/officeDocument/2006/relationships" xmlns:p="http://schemas.openxmlformats.org/presentationml/2006/main">
-  <p:cSld>
-    <p:spTree>
-      <p:nvGrpSpPr>
-        <p:cNvPr id="1" name=""/>
-        <p:cNvGrpSpPr/>
-        <p:nvPr/>
-      </p:nvGrpSpPr>
-      <p:grpSpPr>
-        <a:xfrm>
-          <a:off x="0" y="0"/>
-          <a:ext cx="0" cy="0"/>
-          <a:chOff x="0" y="0"/>
-          <a:chExt cx="0" cy="0"/>
-        </a:xfrm>
-      </p:grpSpPr>
-      <p:sp>
-        <p:nvSpPr>
-          <p:cNvPr id="3" name="Content Placeholder 2"/>
-          <p:cNvSpPr>
-            <a:spLocks noGrp="1"/>
-          </p:cNvSpPr>
-          <p:nvPr>
-            <p:ph idx="1"/>
-          </p:nvPr>
-        </p:nvSpPr>
-        <p:spPr>
-          <a:xfrm>
-            <a:off x="520836" y="1447801"/>
-            <a:ext cx="11155093" cy="3951851"/>
-          </a:xfrm>
-        </p:spPr>
-        <p:txBody>
-          <a:bodyPr/>
-          <a:lstStyle/>
-          <a:p>
-            <a:pPr marL="0" indent="0" algn="ctr">
-              <a:buNone/>
-            </a:pPr>
-            <a:r>
-              <a:rPr lang="en-US" dirty="0" smtClean="0"/>
-              <a:t>If you have questions on the labs or issues </a:t>
-            </a:r>
-          </a:p>
-          <a:p>
-            <a:pPr marL="0" indent="0" algn="ctr">
-              <a:buNone/>
-            </a:pPr>
-            <a:endParaRPr lang="en-US" dirty="0"/>
-          </a:p>
-          <a:p>
-            <a:pPr marL="0" indent="0" algn="ctr">
-              <a:buNone/>
-            </a:pPr>
-            <a:r>
-              <a:rPr lang="en-US" dirty="0" smtClean="0"/>
-              <a:t>Use the HASHTAG </a:t>
-            </a:r>
-          </a:p>
-          <a:p>
-            <a:pPr marL="0" indent="0" algn="ctr">
-              <a:buNone/>
-            </a:pPr>
-            <a:r>
-              <a:rPr lang="en-US" sz="9600" b="1" dirty="0"/>
-              <a:t>#</a:t>
-            </a:r>
-            <a:r>
-              <a:rPr lang="en-US" sz="9600" b="1" dirty="0" smtClean="0"/>
-              <a:t>GLOBALAZURELAB</a:t>
-            </a:r>
-          </a:p>
-          <a:p>
-            <a:pPr marL="0" indent="0" algn="ctr">
-              <a:buNone/>
-            </a:pPr>
-            <a:r>
-              <a:rPr lang="en-US" dirty="0" smtClean="0"/>
-              <a:t>And the organization will jump on it!</a:t>
-            </a:r>
-            <a:endParaRPr lang="nl-BE" dirty="0"/>
-          </a:p>
-        </p:txBody>
-      </p:sp>
-      <p:pic>
-        <p:nvPicPr>
-          <p:cNvPr id="6" name="Picture 5"/>
-          <p:cNvPicPr>
-            <a:picLocks noChangeAspect="1"/>
-          </p:cNvPicPr>
-          <p:nvPr/>
-        </p:nvPicPr>
-        <p:blipFill>
-          <a:blip r:embed="rId2"/>
-          <a:stretch>
-            <a:fillRect/>
-          </a:stretch>
-        </p:blipFill>
-        <p:spPr>
-          <a:xfrm>
-            <a:off x="3333987" y="1857350"/>
-            <a:ext cx="5522439" cy="644285"/>
-          </a:xfrm>
-          <a:prstGeom prst="rect">
-            <a:avLst/>
-          </a:prstGeom>
-        </p:spPr>
-      </p:pic>
-      <p:pic>
-        <p:nvPicPr>
-          <p:cNvPr id="4" name="Content Placeholder 6"/>
-          <p:cNvPicPr>
-            <a:picLocks noChangeAspect="1"/>
-          </p:cNvPicPr>
-          <p:nvPr/>
-        </p:nvPicPr>
-        <p:blipFill>
-          <a:blip r:embed="rId3" cstate="print">
-            <a:extLst>
-              <a:ext uri="{28A0092B-C50C-407E-A947-70E740481C1C}">
-                <a14:useLocalDpi xmlns:a14="http://schemas.microsoft.com/office/drawing/2010/main" val="0"/>
-              </a:ext>
-            </a:extLst>
-          </a:blip>
-          <a:stretch>
-            <a:fillRect/>
-          </a:stretch>
-        </p:blipFill>
-        <p:spPr>
-          <a:xfrm>
-            <a:off x="9932567" y="5388031"/>
-            <a:ext cx="2259433" cy="1525118"/>
-          </a:xfrm>
-          <a:prstGeom prst="rect">
-            <a:avLst/>
-          </a:prstGeom>
-        </p:spPr>
-      </p:pic>
-    </p:spTree>
-    <p:extLst>
-      <p:ext uri="{BB962C8B-B14F-4D97-AF65-F5344CB8AC3E}">
-        <p14:creationId xmlns:p14="http://schemas.microsoft.com/office/powerpoint/2010/main" val="3626941520"/>
-      </p:ext>
-    </p:extLst>
-  </p:cSld>
-  <p:clrMapOvr>
-    <a:masterClrMapping/>
-  </p:clrMapOvr>
-  <mc:AlternateContent xmlns:mc="http://schemas.openxmlformats.org/markup-compatibility/2006" xmlns:p14="http://schemas.microsoft.com/office/powerpoint/2010/main">
-    <mc:Choice Requires="p14">
-      <p:transition spd="slow" p14:dur="2000" advTm="10000"/>
-    </mc:Choice>
-    <mc:Fallback xmlns="">
-      <p:transition spd="slow" advTm="10000"/>
-    </mc:Fallback>
-  </mc:AlternateContent>
-  <p:timing>
-    <p:tnLst>
-      <p:par>
-        <p:cTn id="1" dur="indefinite" restart="never" nodeType="tmRoot"/>
-      </p:par>
-    </p:tnLst>
-  </p:timing>
-</p:sld>
-</file>
-
-<file path=ppt/slides/slide9.xml><?xml version="1.0" encoding="utf-8"?>
-<p:sld xmlns:a="http://schemas.openxmlformats.org/drawingml/2006/main" xmlns:r="http://schemas.openxmlformats.org/officeDocument/2006/relationships" xmlns:p="http://schemas.openxmlformats.org/presentationml/2006/main">
-  <p:cSld>
-    <p:spTree>
-      <p:nvGrpSpPr>
-        <p:cNvPr id="1" name=""/>
-        <p:cNvGrpSpPr/>
-        <p:nvPr/>
-      </p:nvGrpSpPr>
-      <p:grpSpPr>
-        <a:xfrm>
-          <a:off x="0" y="0"/>
-          <a:ext cx="0" cy="0"/>
-          <a:chOff x="0" y="0"/>
-          <a:chExt cx="0" cy="0"/>
-        </a:xfrm>
-      </p:grpSpPr>
-      <p:sp>
-        <p:nvSpPr>
-          <p:cNvPr id="2" name="Text Placeholder 5"/>
-          <p:cNvSpPr txBox="1">
-            <a:spLocks/>
-          </p:cNvSpPr>
-          <p:nvPr/>
-        </p:nvSpPr>
-        <p:spPr>
-          <a:xfrm>
-            <a:off x="519113" y="1068292"/>
-            <a:ext cx="11460854" cy="2227832"/>
-          </a:xfrm>
-          <a:prstGeom prst="rect">
-            <a:avLst/>
-          </a:prstGeom>
-        </p:spPr>
-        <p:txBody>
-          <a:bodyPr vert="horz" lIns="91440" tIns="45720" rIns="91440" bIns="45720" rtlCol="0" anchor="t"/>
-          <a:lstStyle>
-            <a:defPPr>
-              <a:defRPr lang="en-US"/>
-            </a:defPPr>
-            <a:lvl1pPr marL="0" algn="l" defTabSz="914400" rtl="0" eaLnBrk="1" latinLnBrk="0" hangingPunct="1">
-              <a:defRPr sz="1200" kern="1200">
-                <a:solidFill>
-                  <a:schemeClr val="tx1">
-                    <a:tint val="75000"/>
-                  </a:schemeClr>
-                </a:solidFill>
-                <a:latin typeface="+mn-lt"/>
-                <a:ea typeface="+mn-ea"/>
-                <a:cs typeface="+mn-cs"/>
-              </a:defRPr>
-            </a:lvl1pPr>
-            <a:lvl2pPr marL="457200" algn="l" defTabSz="914400" rtl="0" eaLnBrk="1" latinLnBrk="0" hangingPunct="1">
-              <a:defRPr sz="1800" kern="1200">
-                <a:solidFill>
-                  <a:schemeClr val="tx1"/>
-                </a:solidFill>
-                <a:latin typeface="+mn-lt"/>
-                <a:ea typeface="+mn-ea"/>
-                <a:cs typeface="+mn-cs"/>
-              </a:defRPr>
-            </a:lvl2pPr>
-            <a:lvl3pPr marL="914400" algn="l" defTabSz="914400" rtl="0" eaLnBrk="1" latinLnBrk="0" hangingPunct="1">
-              <a:defRPr sz="1800" kern="1200">
-                <a:solidFill>
-                  <a:schemeClr val="tx1"/>
-                </a:solidFill>
-                <a:latin typeface="+mn-lt"/>
-                <a:ea typeface="+mn-ea"/>
-                <a:cs typeface="+mn-cs"/>
-              </a:defRPr>
-            </a:lvl3pPr>
-            <a:lvl4pPr marL="1371600" algn="l" defTabSz="914400" rtl="0" eaLnBrk="1" latinLnBrk="0" hangingPunct="1">
-              <a:defRPr sz="1800" kern="1200">
-                <a:solidFill>
-                  <a:schemeClr val="tx1"/>
-                </a:solidFill>
-                <a:latin typeface="+mn-lt"/>
-                <a:ea typeface="+mn-ea"/>
-                <a:cs typeface="+mn-cs"/>
-              </a:defRPr>
-            </a:lvl4pPr>
-            <a:lvl5pPr marL="1828800" algn="l" defTabSz="914400" rtl="0" eaLnBrk="1" latinLnBrk="0" hangingPunct="1">
-              <a:defRPr sz="1800" kern="1200">
-                <a:solidFill>
-                  <a:schemeClr val="tx1"/>
-                </a:solidFill>
-                <a:latin typeface="+mn-lt"/>
-                <a:ea typeface="+mn-ea"/>
-                <a:cs typeface="+mn-cs"/>
-              </a:defRPr>
-            </a:lvl5pPr>
-            <a:lvl6pPr marL="2286000" algn="l" defTabSz="914400" rtl="0" eaLnBrk="1" latinLnBrk="0" hangingPunct="1">
-              <a:defRPr sz="1800" kern="1200">
-                <a:solidFill>
-                  <a:schemeClr val="tx1"/>
-                </a:solidFill>
-                <a:latin typeface="+mn-lt"/>
-                <a:ea typeface="+mn-ea"/>
-                <a:cs typeface="+mn-cs"/>
-              </a:defRPr>
-            </a:lvl6pPr>
-            <a:lvl7pPr marL="2743200" algn="l" defTabSz="914400" rtl="0" eaLnBrk="1" latinLnBrk="0" hangingPunct="1">
-              <a:defRPr sz="1800" kern="1200">
-                <a:solidFill>
-                  <a:schemeClr val="tx1"/>
-                </a:solidFill>
-                <a:latin typeface="+mn-lt"/>
-                <a:ea typeface="+mn-ea"/>
-                <a:cs typeface="+mn-cs"/>
-              </a:defRPr>
-            </a:lvl7pPr>
-            <a:lvl8pPr marL="3200400" algn="l" defTabSz="914400" rtl="0" eaLnBrk="1" latinLnBrk="0" hangingPunct="1">
-              <a:defRPr sz="1800" kern="1200">
-                <a:solidFill>
-                  <a:schemeClr val="tx1"/>
-                </a:solidFill>
-                <a:latin typeface="+mn-lt"/>
-                <a:ea typeface="+mn-ea"/>
-                <a:cs typeface="+mn-cs"/>
-              </a:defRPr>
-            </a:lvl8pPr>
-            <a:lvl9pPr marL="3657600" algn="l" defTabSz="914400" rtl="0" eaLnBrk="1" latinLnBrk="0" hangingPunct="1">
-              <a:defRPr sz="1800" kern="1200">
-                <a:solidFill>
-                  <a:schemeClr val="tx1"/>
-                </a:solidFill>
-                <a:latin typeface="+mn-lt"/>
-                <a:ea typeface="+mn-ea"/>
-                <a:cs typeface="+mn-cs"/>
-              </a:defRPr>
-            </a:lvl9pPr>
-          </a:lstStyle>
-          <a:p>
-            <a:r>
-              <a:rPr lang="en-US" sz="2800" dirty="0" smtClean="0">
-                <a:solidFill>
-                  <a:schemeClr val="tx1"/>
-                </a:solidFill>
-              </a:rPr>
-              <a:t>Be a good minion and drive a few laps </a:t>
-            </a:r>
-            <a:r>
-              <a:rPr lang="en-US" sz="2800" dirty="0" smtClean="0">
-                <a:solidFill>
-                  <a:schemeClr val="tx1"/>
-                </a:solidFill>
-                <a:sym typeface="Wingdings" panose="05000000000000000000" pitchFamily="2" charset="2"/>
-              </a:rPr>
-              <a:t>. </a:t>
-            </a:r>
-          </a:p>
-          <a:p>
-            <a:r>
-              <a:rPr lang="en-US" sz="2800" dirty="0" smtClean="0">
-                <a:solidFill>
-                  <a:schemeClr val="tx1"/>
-                </a:solidFill>
-                <a:sym typeface="Wingdings" panose="05000000000000000000" pitchFamily="2" charset="2"/>
-              </a:rPr>
-              <a:t>Logon with &lt;ENTER COUNTRY CODE HERE&gt; on</a:t>
-            </a:r>
-          </a:p>
-          <a:p>
-            <a:pPr algn="ctr"/>
-            <a:r>
-              <a:rPr lang="nl-BE" sz="6000" u="sng" dirty="0">
-                <a:hlinkClick r:id="rId2"/>
-              </a:rPr>
-              <a:t>http://gabracing.azurewebsites.net</a:t>
-            </a:r>
-            <a:endParaRPr lang="en-US" sz="6000" dirty="0">
-              <a:solidFill>
-                <a:schemeClr val="tx1"/>
-              </a:solidFill>
-            </a:endParaRPr>
-          </a:p>
-        </p:txBody>
-      </p:sp>
-      <p:sp>
-        <p:nvSpPr>
-          <p:cNvPr id="3" name="Title 6"/>
-          <p:cNvSpPr txBox="1">
-            <a:spLocks/>
-          </p:cNvSpPr>
-          <p:nvPr/>
-        </p:nvSpPr>
-        <p:spPr>
-          <a:xfrm>
-            <a:off x="519112" y="228600"/>
-            <a:ext cx="11149013" cy="747897"/>
-          </a:xfrm>
-          <a:prstGeom prst="rect">
-            <a:avLst/>
-          </a:prstGeom>
-        </p:spPr>
-        <p:txBody>
-          <a:bodyPr/>
-          <a:lstStyle>
-            <a:lvl1pPr algn="l" defTabSz="914400" rtl="0" eaLnBrk="1" latinLnBrk="0" hangingPunct="1">
-              <a:lnSpc>
-                <a:spcPct val="90000"/>
-              </a:lnSpc>
-              <a:spcBef>
-                <a:spcPct val="0"/>
-              </a:spcBef>
-              <a:buNone/>
-              <a:defRPr sz="4400" kern="1200">
-                <a:solidFill>
-                  <a:schemeClr val="tx1"/>
-                </a:solidFill>
-                <a:latin typeface="+mj-lt"/>
-                <a:ea typeface="+mj-ea"/>
-                <a:cs typeface="+mj-cs"/>
-              </a:defRPr>
-            </a:lvl1pPr>
-          </a:lstStyle>
-          <a:p>
-            <a:r>
-              <a:rPr lang="en-US" dirty="0" smtClean="0"/>
-              <a:t>The Racing Lab</a:t>
-            </a:r>
-            <a:endParaRPr lang="en-US" dirty="0"/>
-          </a:p>
-        </p:txBody>
-      </p:sp>
-      <p:pic>
-        <p:nvPicPr>
-          <p:cNvPr id="5" name="Picture 4"/>
-          <p:cNvPicPr>
-            <a:picLocks noChangeAspect="1"/>
-          </p:cNvPicPr>
-          <p:nvPr/>
-        </p:nvPicPr>
-        <p:blipFill>
-          <a:blip r:embed="rId3">
-            <a:extLst>
-              <a:ext uri="{28A0092B-C50C-407E-A947-70E740481C1C}">
-                <a14:useLocalDpi xmlns:a14="http://schemas.microsoft.com/office/drawing/2010/main" val="0"/>
-              </a:ext>
-            </a:extLst>
-          </a:blip>
-          <a:stretch>
-            <a:fillRect/>
-          </a:stretch>
-        </p:blipFill>
-        <p:spPr>
-          <a:xfrm>
-            <a:off x="-2382" y="3296124"/>
-            <a:ext cx="12192000" cy="3647644"/>
-          </a:xfrm>
-          <a:prstGeom prst="rect">
-            <a:avLst/>
-          </a:prstGeom>
-        </p:spPr>
-      </p:pic>
-    </p:spTree>
-    <p:extLst>
-      <p:ext uri="{BB962C8B-B14F-4D97-AF65-F5344CB8AC3E}">
-        <p14:creationId xmlns:p14="http://schemas.microsoft.com/office/powerpoint/2010/main" val="1458033113"/>
       </p:ext>
     </p:extLst>
   </p:cSld>
